--- a/Flowcharts.pptx
+++ b/Flowcharts.pptx
@@ -19,18 +19,21 @@
     <p:sldId id="264" r:id="rId13"/>
     <p:sldId id="265" r:id="rId14"/>
     <p:sldId id="266" r:id="rId15"/>
-    <p:sldId id="280" r:id="rId16"/>
-    <p:sldId id="281" r:id="rId17"/>
-    <p:sldId id="267" r:id="rId18"/>
-    <p:sldId id="268" r:id="rId19"/>
-    <p:sldId id="270" r:id="rId20"/>
-    <p:sldId id="272" r:id="rId21"/>
-    <p:sldId id="273" r:id="rId22"/>
-    <p:sldId id="274" r:id="rId23"/>
-    <p:sldId id="275" r:id="rId24"/>
-    <p:sldId id="276" r:id="rId25"/>
-    <p:sldId id="277" r:id="rId26"/>
-    <p:sldId id="278" r:id="rId27"/>
+    <p:sldId id="268" r:id="rId16"/>
+    <p:sldId id="280" r:id="rId17"/>
+    <p:sldId id="283" r:id="rId18"/>
+    <p:sldId id="281" r:id="rId19"/>
+    <p:sldId id="267" r:id="rId20"/>
+    <p:sldId id="270" r:id="rId21"/>
+    <p:sldId id="272" r:id="rId22"/>
+    <p:sldId id="273" r:id="rId23"/>
+    <p:sldId id="274" r:id="rId24"/>
+    <p:sldId id="275" r:id="rId25"/>
+    <p:sldId id="276" r:id="rId26"/>
+    <p:sldId id="277" r:id="rId27"/>
+    <p:sldId id="278" r:id="rId28"/>
+    <p:sldId id="282" r:id="rId29"/>
+    <p:sldId id="284" r:id="rId30"/>
   </p:sldIdLst>
   <p:sldSz cx="12192000" cy="6858000"/>
   <p:notesSz cx="6858000" cy="9144000"/>
@@ -129,6 +132,11 @@
       </a:defRPr>
     </a:lvl9pPr>
   </p:defaultTextStyle>
+  <p:extLst>
+    <p:ext uri="{EFAFB233-063F-42B5-8137-9DF3F51BA10A}">
+      <p15:sldGuideLst xmlns:p15="http://schemas.microsoft.com/office/powerpoint/2012/main"/>
+    </p:ext>
+  </p:extLst>
 </p:presentation>
 </file>
 
@@ -7046,14 +7054,98 @@
       </p:grpSpPr>
       <p:sp>
         <p:nvSpPr>
+          <p:cNvPr id="8" name="Arrow: Right 7"/>
+          <p:cNvSpPr/>
+          <p:nvPr/>
+        </p:nvSpPr>
+        <p:spPr>
+          <a:xfrm>
+            <a:off x="7059698" y="5547482"/>
+            <a:ext cx="1125621" cy="590082"/>
+          </a:xfrm>
+          <a:prstGeom prst="rightArrow">
+            <a:avLst/>
+          </a:prstGeom>
+        </p:spPr>
+        <p:style>
+          <a:lnRef idx="2">
+            <a:schemeClr val="accent1">
+              <a:shade val="50000"/>
+            </a:schemeClr>
+          </a:lnRef>
+          <a:fillRef idx="1">
+            <a:schemeClr val="accent1"/>
+          </a:fillRef>
+          <a:effectRef idx="0">
+            <a:schemeClr val="accent1"/>
+          </a:effectRef>
+          <a:fontRef idx="minor">
+            <a:schemeClr val="lt1"/>
+          </a:fontRef>
+        </p:style>
+        <p:txBody>
+          <a:bodyPr rtlCol="0" anchor="ctr"/>
+          <a:lstStyle/>
+          <a:p>
+            <a:pPr algn="ctr"/>
+            <a:endParaRPr lang="en-US"/>
+          </a:p>
+        </p:txBody>
+      </p:sp>
+      <p:sp>
+        <p:nvSpPr>
+          <p:cNvPr id="2" name="Arrow: Bent-Up 1"/>
+          <p:cNvSpPr/>
+          <p:nvPr/>
+        </p:nvSpPr>
+        <p:spPr>
+          <a:xfrm>
+            <a:off x="4003329" y="655095"/>
+            <a:ext cx="558800" cy="5361940"/>
+          </a:xfrm>
+          <a:prstGeom prst="bentUpArrow">
+            <a:avLst>
+              <a:gd name="adj1" fmla="val 25000"/>
+              <a:gd name="adj2" fmla="val 12273"/>
+              <a:gd name="adj3" fmla="val 21321"/>
+            </a:avLst>
+          </a:prstGeom>
+        </p:spPr>
+        <p:style>
+          <a:lnRef idx="2">
+            <a:schemeClr val="accent1">
+              <a:shade val="50000"/>
+            </a:schemeClr>
+          </a:lnRef>
+          <a:fillRef idx="1">
+            <a:schemeClr val="accent1"/>
+          </a:fillRef>
+          <a:effectRef idx="0">
+            <a:schemeClr val="accent1"/>
+          </a:effectRef>
+          <a:fontRef idx="minor">
+            <a:schemeClr val="lt1"/>
+          </a:fontRef>
+        </p:style>
+        <p:txBody>
+          <a:bodyPr rtlCol="0" anchor="ctr"/>
+          <a:lstStyle/>
+          <a:p>
+            <a:pPr algn="ctr"/>
+            <a:endParaRPr lang="en-US"/>
+          </a:p>
+        </p:txBody>
+      </p:sp>
+      <p:sp>
+        <p:nvSpPr>
           <p:cNvPr id="4" name="Oval 3"/>
           <p:cNvSpPr/>
           <p:nvPr/>
         </p:nvSpPr>
         <p:spPr>
           <a:xfrm>
-            <a:off x="1250604" y="101600"/>
-            <a:ext cx="3655752" cy="1300480"/>
+            <a:off x="2044989" y="286795"/>
+            <a:ext cx="2113280" cy="1300480"/>
           </a:xfrm>
           <a:prstGeom prst="ellipse">
             <a:avLst/>
@@ -7082,7 +7174,7 @@
             <a:pPr algn="ctr"/>
             <a:r>
               <a:rPr lang="en-US" dirty="0"/>
-              <a:t>Get destination from command interpreter</a:t>
+              <a:t>Print Current Program counter</a:t>
             </a:r>
           </a:p>
         </p:txBody>
@@ -7095,8 +7187,8 @@
         </p:nvSpPr>
         <p:spPr>
           <a:xfrm>
-            <a:off x="969819" y="1889760"/>
-            <a:ext cx="4142508" cy="1300480"/>
+            <a:off x="2089480" y="2074955"/>
+            <a:ext cx="2113280" cy="1300480"/>
           </a:xfrm>
           <a:prstGeom prst="ellipse">
             <a:avLst/>
@@ -7125,7 +7217,7 @@
             <a:pPr algn="ctr"/>
             <a:r>
               <a:rPr lang="en-US" dirty="0"/>
-              <a:t>Convert destination from ASCII to HEX</a:t>
+              <a:t>Print current status register</a:t>
             </a:r>
           </a:p>
         </p:txBody>
@@ -7138,8 +7230,8 @@
         </p:nvSpPr>
         <p:spPr>
           <a:xfrm>
-            <a:off x="1250604" y="3495040"/>
-            <a:ext cx="3655752" cy="1300480"/>
+            <a:off x="2044989" y="3680235"/>
+            <a:ext cx="2113280" cy="1300480"/>
           </a:xfrm>
           <a:prstGeom prst="ellipse">
             <a:avLst/>
@@ -7168,7 +7260,50 @@
             <a:pPr algn="ctr"/>
             <a:r>
               <a:rPr lang="en-US" dirty="0"/>
-              <a:t>Jump to the location</a:t>
+              <a:t>Print SSP</a:t>
+            </a:r>
+          </a:p>
+        </p:txBody>
+      </p:sp>
+      <p:sp>
+        <p:nvSpPr>
+          <p:cNvPr id="7" name="Oval 6"/>
+          <p:cNvSpPr/>
+          <p:nvPr/>
+        </p:nvSpPr>
+        <p:spPr>
+          <a:xfrm>
+            <a:off x="2040028" y="5285515"/>
+            <a:ext cx="2113280" cy="1300480"/>
+          </a:xfrm>
+          <a:prstGeom prst="ellipse">
+            <a:avLst/>
+          </a:prstGeom>
+        </p:spPr>
+        <p:style>
+          <a:lnRef idx="2">
+            <a:schemeClr val="accent1">
+              <a:shade val="50000"/>
+            </a:schemeClr>
+          </a:lnRef>
+          <a:fillRef idx="1">
+            <a:schemeClr val="accent1"/>
+          </a:fillRef>
+          <a:effectRef idx="0">
+            <a:schemeClr val="accent1"/>
+          </a:effectRef>
+          <a:fontRef idx="minor">
+            <a:schemeClr val="lt1"/>
+          </a:fontRef>
+        </p:style>
+        <p:txBody>
+          <a:bodyPr rtlCol="0" anchor="ctr"/>
+          <a:lstStyle/>
+          <a:p>
+            <a:pPr algn="ctr"/>
+            <a:r>
+              <a:rPr lang="en-US" dirty="0"/>
+              <a:t>Print USP</a:t>
             </a:r>
           </a:p>
         </p:txBody>
@@ -7181,8 +7316,8 @@
         </p:nvSpPr>
         <p:spPr>
           <a:xfrm>
-            <a:off x="2661920" y="1402080"/>
-            <a:ext cx="833120" cy="487680"/>
+            <a:off x="2784129" y="1587275"/>
+            <a:ext cx="652780" cy="487680"/>
           </a:xfrm>
           <a:prstGeom prst="downArrow">
             <a:avLst/>
@@ -7221,8 +7356,48 @@
         </p:nvSpPr>
         <p:spPr>
           <a:xfrm>
-            <a:off x="2661920" y="3190240"/>
-            <a:ext cx="833120" cy="304800"/>
+            <a:off x="2837469" y="3375435"/>
+            <a:ext cx="546100" cy="304800"/>
+          </a:xfrm>
+          <a:prstGeom prst="downArrow">
+            <a:avLst/>
+          </a:prstGeom>
+        </p:spPr>
+        <p:style>
+          <a:lnRef idx="2">
+            <a:schemeClr val="accent1">
+              <a:shade val="50000"/>
+            </a:schemeClr>
+          </a:lnRef>
+          <a:fillRef idx="1">
+            <a:schemeClr val="accent1"/>
+          </a:fillRef>
+          <a:effectRef idx="0">
+            <a:schemeClr val="accent1"/>
+          </a:effectRef>
+          <a:fontRef idx="minor">
+            <a:schemeClr val="lt1"/>
+          </a:fontRef>
+        </p:style>
+        <p:txBody>
+          <a:bodyPr rtlCol="0" anchor="ctr"/>
+          <a:lstStyle/>
+          <a:p>
+            <a:pPr algn="ctr"/>
+            <a:endParaRPr lang="en-US"/>
+          </a:p>
+        </p:txBody>
+      </p:sp>
+      <p:sp>
+        <p:nvSpPr>
+          <p:cNvPr id="11" name="Arrow: Down 10"/>
+          <p:cNvSpPr/>
+          <p:nvPr/>
+        </p:nvSpPr>
+        <p:spPr>
+          <a:xfrm>
+            <a:off x="2852709" y="4980715"/>
+            <a:ext cx="485140" cy="304800"/>
           </a:xfrm>
           <a:prstGeom prst="downArrow">
             <a:avLst/>
@@ -7261,8 +7436,8 @@
         </p:nvSpPr>
         <p:spPr>
           <a:xfrm>
-            <a:off x="-20320" y="6520934"/>
-            <a:ext cx="3824224" cy="369332"/>
+            <a:off x="-1" y="6488668"/>
+            <a:ext cx="1886674" cy="369332"/>
           </a:xfrm>
           <a:prstGeom prst="rect">
             <a:avLst/>
@@ -7277,7 +7452,382 @@
           <a:p>
             <a:r>
               <a:rPr lang="en-US" dirty="0"/>
-              <a:t>Convert Hex to Ascii or Ascii to Hex</a:t>
+              <a:t>DF</a:t>
+            </a:r>
+          </a:p>
+        </p:txBody>
+      </p:sp>
+      <p:sp>
+        <p:nvSpPr>
+          <p:cNvPr id="25" name="Arrow: Right 24"/>
+          <p:cNvSpPr/>
+          <p:nvPr/>
+        </p:nvSpPr>
+        <p:spPr>
+          <a:xfrm>
+            <a:off x="4422429" y="535715"/>
+            <a:ext cx="690880" cy="327660"/>
+          </a:xfrm>
+          <a:prstGeom prst="rightArrow">
+            <a:avLst/>
+          </a:prstGeom>
+        </p:spPr>
+        <p:style>
+          <a:lnRef idx="2">
+            <a:schemeClr val="accent1">
+              <a:shade val="50000"/>
+            </a:schemeClr>
+          </a:lnRef>
+          <a:fillRef idx="1">
+            <a:schemeClr val="accent1"/>
+          </a:fillRef>
+          <a:effectRef idx="0">
+            <a:schemeClr val="accent1"/>
+          </a:effectRef>
+          <a:fontRef idx="minor">
+            <a:schemeClr val="lt1"/>
+          </a:fontRef>
+        </p:style>
+        <p:txBody>
+          <a:bodyPr rtlCol="0" anchor="ctr"/>
+          <a:lstStyle/>
+          <a:p>
+            <a:pPr algn="ctr"/>
+            <a:endParaRPr lang="en-US" dirty="0"/>
+          </a:p>
+        </p:txBody>
+      </p:sp>
+      <p:sp>
+        <p:nvSpPr>
+          <p:cNvPr id="36" name="Oval 35"/>
+          <p:cNvSpPr/>
+          <p:nvPr/>
+        </p:nvSpPr>
+        <p:spPr>
+          <a:xfrm>
+            <a:off x="5117635" y="189468"/>
+            <a:ext cx="2113280" cy="1300480"/>
+          </a:xfrm>
+          <a:prstGeom prst="ellipse">
+            <a:avLst/>
+          </a:prstGeom>
+        </p:spPr>
+        <p:style>
+          <a:lnRef idx="2">
+            <a:schemeClr val="accent1">
+              <a:shade val="50000"/>
+            </a:schemeClr>
+          </a:lnRef>
+          <a:fillRef idx="1">
+            <a:schemeClr val="accent1"/>
+          </a:fillRef>
+          <a:effectRef idx="0">
+            <a:schemeClr val="accent1"/>
+          </a:effectRef>
+          <a:fontRef idx="minor">
+            <a:schemeClr val="lt1"/>
+          </a:fontRef>
+        </p:style>
+        <p:txBody>
+          <a:bodyPr rtlCol="0" anchor="ctr"/>
+          <a:lstStyle/>
+          <a:p>
+            <a:pPr algn="ctr"/>
+            <a:r>
+              <a:rPr lang="en-US" dirty="0"/>
+              <a:t>Load Registers from Stack</a:t>
+            </a:r>
+          </a:p>
+        </p:txBody>
+      </p:sp>
+      <p:sp>
+        <p:nvSpPr>
+          <p:cNvPr id="37" name="Oval 36"/>
+          <p:cNvSpPr/>
+          <p:nvPr/>
+        </p:nvSpPr>
+        <p:spPr>
+          <a:xfrm>
+            <a:off x="4769180" y="1977628"/>
+            <a:ext cx="3044784" cy="1300480"/>
+          </a:xfrm>
+          <a:prstGeom prst="ellipse">
+            <a:avLst/>
+          </a:prstGeom>
+        </p:spPr>
+        <p:style>
+          <a:lnRef idx="2">
+            <a:schemeClr val="accent1">
+              <a:shade val="50000"/>
+            </a:schemeClr>
+          </a:lnRef>
+          <a:fillRef idx="1">
+            <a:schemeClr val="accent1"/>
+          </a:fillRef>
+          <a:effectRef idx="0">
+            <a:schemeClr val="accent1"/>
+          </a:effectRef>
+          <a:fontRef idx="minor">
+            <a:schemeClr val="lt1"/>
+          </a:fontRef>
+        </p:style>
+        <p:txBody>
+          <a:bodyPr rtlCol="0" anchor="ctr"/>
+          <a:lstStyle/>
+          <a:p>
+            <a:pPr algn="ctr"/>
+            <a:r>
+              <a:rPr lang="en-US" dirty="0"/>
+              <a:t>Store Registers used for printing in memory</a:t>
+            </a:r>
+          </a:p>
+        </p:txBody>
+      </p:sp>
+      <p:sp>
+        <p:nvSpPr>
+          <p:cNvPr id="38" name="Oval 37"/>
+          <p:cNvSpPr/>
+          <p:nvPr/>
+        </p:nvSpPr>
+        <p:spPr>
+          <a:xfrm>
+            <a:off x="5117635" y="3582908"/>
+            <a:ext cx="2113280" cy="1300480"/>
+          </a:xfrm>
+          <a:prstGeom prst="ellipse">
+            <a:avLst/>
+          </a:prstGeom>
+        </p:spPr>
+        <p:style>
+          <a:lnRef idx="2">
+            <a:schemeClr val="accent1">
+              <a:shade val="50000"/>
+            </a:schemeClr>
+          </a:lnRef>
+          <a:fillRef idx="1">
+            <a:schemeClr val="accent1"/>
+          </a:fillRef>
+          <a:effectRef idx="0">
+            <a:schemeClr val="accent1"/>
+          </a:effectRef>
+          <a:fontRef idx="minor">
+            <a:schemeClr val="lt1"/>
+          </a:fontRef>
+        </p:style>
+        <p:txBody>
+          <a:bodyPr rtlCol="0" anchor="ctr"/>
+          <a:lstStyle/>
+          <a:p>
+            <a:pPr algn="ctr"/>
+            <a:r>
+              <a:rPr lang="en-US" dirty="0"/>
+              <a:t>Print D0 through D7</a:t>
+            </a:r>
+          </a:p>
+        </p:txBody>
+      </p:sp>
+      <p:sp>
+        <p:nvSpPr>
+          <p:cNvPr id="39" name="Oval 38"/>
+          <p:cNvSpPr/>
+          <p:nvPr/>
+        </p:nvSpPr>
+        <p:spPr>
+          <a:xfrm>
+            <a:off x="5112674" y="5188188"/>
+            <a:ext cx="2113280" cy="1300480"/>
+          </a:xfrm>
+          <a:prstGeom prst="ellipse">
+            <a:avLst/>
+          </a:prstGeom>
+        </p:spPr>
+        <p:style>
+          <a:lnRef idx="2">
+            <a:schemeClr val="accent1">
+              <a:shade val="50000"/>
+            </a:schemeClr>
+          </a:lnRef>
+          <a:fillRef idx="1">
+            <a:schemeClr val="accent1"/>
+          </a:fillRef>
+          <a:effectRef idx="0">
+            <a:schemeClr val="accent1"/>
+          </a:effectRef>
+          <a:fontRef idx="minor">
+            <a:schemeClr val="lt1"/>
+          </a:fontRef>
+        </p:style>
+        <p:txBody>
+          <a:bodyPr rtlCol="0" anchor="ctr"/>
+          <a:lstStyle/>
+          <a:p>
+            <a:pPr algn="ctr"/>
+            <a:r>
+              <a:rPr lang="en-US" dirty="0"/>
+              <a:t>Print A0 through A6</a:t>
+            </a:r>
+          </a:p>
+        </p:txBody>
+      </p:sp>
+      <p:sp>
+        <p:nvSpPr>
+          <p:cNvPr id="40" name="Arrow: Down 39"/>
+          <p:cNvSpPr/>
+          <p:nvPr/>
+        </p:nvSpPr>
+        <p:spPr>
+          <a:xfrm>
+            <a:off x="5856775" y="1489948"/>
+            <a:ext cx="652780" cy="487680"/>
+          </a:xfrm>
+          <a:prstGeom prst="downArrow">
+            <a:avLst/>
+          </a:prstGeom>
+        </p:spPr>
+        <p:style>
+          <a:lnRef idx="2">
+            <a:schemeClr val="accent1">
+              <a:shade val="50000"/>
+            </a:schemeClr>
+          </a:lnRef>
+          <a:fillRef idx="1">
+            <a:schemeClr val="accent1"/>
+          </a:fillRef>
+          <a:effectRef idx="0">
+            <a:schemeClr val="accent1"/>
+          </a:effectRef>
+          <a:fontRef idx="minor">
+            <a:schemeClr val="lt1"/>
+          </a:fontRef>
+        </p:style>
+        <p:txBody>
+          <a:bodyPr rtlCol="0" anchor="ctr"/>
+          <a:lstStyle/>
+          <a:p>
+            <a:pPr algn="ctr"/>
+            <a:endParaRPr lang="en-US"/>
+          </a:p>
+        </p:txBody>
+      </p:sp>
+      <p:sp>
+        <p:nvSpPr>
+          <p:cNvPr id="41" name="Arrow: Down 40"/>
+          <p:cNvSpPr/>
+          <p:nvPr/>
+        </p:nvSpPr>
+        <p:spPr>
+          <a:xfrm>
+            <a:off x="5910115" y="3278108"/>
+            <a:ext cx="546100" cy="304800"/>
+          </a:xfrm>
+          <a:prstGeom prst="downArrow">
+            <a:avLst/>
+          </a:prstGeom>
+        </p:spPr>
+        <p:style>
+          <a:lnRef idx="2">
+            <a:schemeClr val="accent1">
+              <a:shade val="50000"/>
+            </a:schemeClr>
+          </a:lnRef>
+          <a:fillRef idx="1">
+            <a:schemeClr val="accent1"/>
+          </a:fillRef>
+          <a:effectRef idx="0">
+            <a:schemeClr val="accent1"/>
+          </a:effectRef>
+          <a:fontRef idx="minor">
+            <a:schemeClr val="lt1"/>
+          </a:fontRef>
+        </p:style>
+        <p:txBody>
+          <a:bodyPr rtlCol="0" anchor="ctr"/>
+          <a:lstStyle/>
+          <a:p>
+            <a:pPr algn="ctr"/>
+            <a:endParaRPr lang="en-US"/>
+          </a:p>
+        </p:txBody>
+      </p:sp>
+      <p:sp>
+        <p:nvSpPr>
+          <p:cNvPr id="42" name="Arrow: Down 41"/>
+          <p:cNvSpPr/>
+          <p:nvPr/>
+        </p:nvSpPr>
+        <p:spPr>
+          <a:xfrm>
+            <a:off x="5925355" y="4883388"/>
+            <a:ext cx="485140" cy="304800"/>
+          </a:xfrm>
+          <a:prstGeom prst="downArrow">
+            <a:avLst/>
+          </a:prstGeom>
+        </p:spPr>
+        <p:style>
+          <a:lnRef idx="2">
+            <a:schemeClr val="accent1">
+              <a:shade val="50000"/>
+            </a:schemeClr>
+          </a:lnRef>
+          <a:fillRef idx="1">
+            <a:schemeClr val="accent1"/>
+          </a:fillRef>
+          <a:effectRef idx="0">
+            <a:schemeClr val="accent1"/>
+          </a:effectRef>
+          <a:fontRef idx="minor">
+            <a:schemeClr val="lt1"/>
+          </a:fontRef>
+        </p:style>
+        <p:txBody>
+          <a:bodyPr rtlCol="0" anchor="ctr"/>
+          <a:lstStyle/>
+          <a:p>
+            <a:pPr algn="ctr"/>
+            <a:endParaRPr lang="en-US"/>
+          </a:p>
+        </p:txBody>
+      </p:sp>
+      <p:sp>
+        <p:nvSpPr>
+          <p:cNvPr id="43" name="Oval 42"/>
+          <p:cNvSpPr/>
+          <p:nvPr/>
+        </p:nvSpPr>
+        <p:spPr>
+          <a:xfrm>
+            <a:off x="8185319" y="5133115"/>
+            <a:ext cx="2551953" cy="1398733"/>
+          </a:xfrm>
+          <a:prstGeom prst="ellipse">
+            <a:avLst/>
+          </a:prstGeom>
+        </p:spPr>
+        <p:style>
+          <a:lnRef idx="2">
+            <a:schemeClr val="accent1">
+              <a:shade val="50000"/>
+            </a:schemeClr>
+          </a:lnRef>
+          <a:fillRef idx="1">
+            <a:schemeClr val="accent1"/>
+          </a:fillRef>
+          <a:effectRef idx="0">
+            <a:schemeClr val="accent1"/>
+          </a:effectRef>
+          <a:fontRef idx="minor">
+            <a:schemeClr val="lt1"/>
+          </a:fontRef>
+        </p:style>
+        <p:txBody>
+          <a:bodyPr rtlCol="0" anchor="ctr"/>
+          <a:lstStyle/>
+          <a:p>
+            <a:pPr algn="ctr"/>
+            <a:r>
+              <a:rPr lang="en-US" dirty="0"/>
+              <a:t>Restore Registers and Go back to command interpreter</a:t>
             </a:r>
           </a:p>
         </p:txBody>
@@ -7285,7 +7835,7 @@
     </p:spTree>
     <p:extLst>
       <p:ext uri="{BB962C8B-B14F-4D97-AF65-F5344CB8AC3E}">
-        <p14:creationId xmlns:p14="http://schemas.microsoft.com/office/powerpoint/2010/main" val="989971265"/>
+        <p14:creationId xmlns:p14="http://schemas.microsoft.com/office/powerpoint/2010/main" val="1620640926"/>
       </p:ext>
     </p:extLst>
   </p:cSld>
@@ -7314,215 +7864,6 @@
       </p:grpSpPr>
       <p:sp>
         <p:nvSpPr>
-          <p:cNvPr id="4" name="Oval 3"/>
-          <p:cNvSpPr/>
-          <p:nvPr/>
-        </p:nvSpPr>
-        <p:spPr>
-          <a:xfrm>
-            <a:off x="1250604" y="101600"/>
-            <a:ext cx="3655752" cy="1300480"/>
-          </a:xfrm>
-          <a:prstGeom prst="ellipse">
-            <a:avLst/>
-          </a:prstGeom>
-        </p:spPr>
-        <p:style>
-          <a:lnRef idx="2">
-            <a:schemeClr val="accent1">
-              <a:shade val="50000"/>
-            </a:schemeClr>
-          </a:lnRef>
-          <a:fillRef idx="1">
-            <a:schemeClr val="accent1"/>
-          </a:fillRef>
-          <a:effectRef idx="0">
-            <a:schemeClr val="accent1"/>
-          </a:effectRef>
-          <a:fontRef idx="minor">
-            <a:schemeClr val="lt1"/>
-          </a:fontRef>
-        </p:style>
-        <p:txBody>
-          <a:bodyPr rtlCol="0" anchor="ctr"/>
-          <a:lstStyle/>
-          <a:p>
-            <a:pPr algn="ctr"/>
-            <a:r>
-              <a:rPr lang="en-US" dirty="0"/>
-              <a:t>Get destination from command interpreter</a:t>
-            </a:r>
-          </a:p>
-        </p:txBody>
-      </p:sp>
-      <p:sp>
-        <p:nvSpPr>
-          <p:cNvPr id="5" name="Oval 4"/>
-          <p:cNvSpPr/>
-          <p:nvPr/>
-        </p:nvSpPr>
-        <p:spPr>
-          <a:xfrm>
-            <a:off x="969819" y="1889760"/>
-            <a:ext cx="4142508" cy="1300480"/>
-          </a:xfrm>
-          <a:prstGeom prst="ellipse">
-            <a:avLst/>
-          </a:prstGeom>
-        </p:spPr>
-        <p:style>
-          <a:lnRef idx="2">
-            <a:schemeClr val="accent1">
-              <a:shade val="50000"/>
-            </a:schemeClr>
-          </a:lnRef>
-          <a:fillRef idx="1">
-            <a:schemeClr val="accent1"/>
-          </a:fillRef>
-          <a:effectRef idx="0">
-            <a:schemeClr val="accent1"/>
-          </a:effectRef>
-          <a:fontRef idx="minor">
-            <a:schemeClr val="lt1"/>
-          </a:fontRef>
-        </p:style>
-        <p:txBody>
-          <a:bodyPr rtlCol="0" anchor="ctr"/>
-          <a:lstStyle/>
-          <a:p>
-            <a:pPr algn="ctr"/>
-            <a:r>
-              <a:rPr lang="en-US" dirty="0"/>
-              <a:t>Convert destination from ASCII to HEX</a:t>
-            </a:r>
-          </a:p>
-        </p:txBody>
-      </p:sp>
-      <p:sp>
-        <p:nvSpPr>
-          <p:cNvPr id="6" name="Oval 5"/>
-          <p:cNvSpPr/>
-          <p:nvPr/>
-        </p:nvSpPr>
-        <p:spPr>
-          <a:xfrm>
-            <a:off x="1250604" y="3495040"/>
-            <a:ext cx="3655752" cy="1300480"/>
-          </a:xfrm>
-          <a:prstGeom prst="ellipse">
-            <a:avLst/>
-          </a:prstGeom>
-        </p:spPr>
-        <p:style>
-          <a:lnRef idx="2">
-            <a:schemeClr val="accent1">
-              <a:shade val="50000"/>
-            </a:schemeClr>
-          </a:lnRef>
-          <a:fillRef idx="1">
-            <a:schemeClr val="accent1"/>
-          </a:fillRef>
-          <a:effectRef idx="0">
-            <a:schemeClr val="accent1"/>
-          </a:effectRef>
-          <a:fontRef idx="minor">
-            <a:schemeClr val="lt1"/>
-          </a:fontRef>
-        </p:style>
-        <p:txBody>
-          <a:bodyPr rtlCol="0" anchor="ctr"/>
-          <a:lstStyle/>
-          <a:p>
-            <a:pPr algn="ctr"/>
-            <a:r>
-              <a:rPr lang="en-US" dirty="0"/>
-              <a:t>Jump to the location</a:t>
-            </a:r>
-          </a:p>
-        </p:txBody>
-      </p:sp>
-      <p:sp>
-        <p:nvSpPr>
-          <p:cNvPr id="9" name="Arrow: Down 8"/>
-          <p:cNvSpPr/>
-          <p:nvPr/>
-        </p:nvSpPr>
-        <p:spPr>
-          <a:xfrm>
-            <a:off x="2661920" y="1402080"/>
-            <a:ext cx="833120" cy="487680"/>
-          </a:xfrm>
-          <a:prstGeom prst="downArrow">
-            <a:avLst/>
-          </a:prstGeom>
-        </p:spPr>
-        <p:style>
-          <a:lnRef idx="2">
-            <a:schemeClr val="accent1">
-              <a:shade val="50000"/>
-            </a:schemeClr>
-          </a:lnRef>
-          <a:fillRef idx="1">
-            <a:schemeClr val="accent1"/>
-          </a:fillRef>
-          <a:effectRef idx="0">
-            <a:schemeClr val="accent1"/>
-          </a:effectRef>
-          <a:fontRef idx="minor">
-            <a:schemeClr val="lt1"/>
-          </a:fontRef>
-        </p:style>
-        <p:txBody>
-          <a:bodyPr rtlCol="0" anchor="ctr"/>
-          <a:lstStyle/>
-          <a:p>
-            <a:pPr algn="ctr"/>
-            <a:endParaRPr lang="en-US"/>
-          </a:p>
-        </p:txBody>
-      </p:sp>
-      <p:sp>
-        <p:nvSpPr>
-          <p:cNvPr id="10" name="Arrow: Down 9"/>
-          <p:cNvSpPr/>
-          <p:nvPr/>
-        </p:nvSpPr>
-        <p:spPr>
-          <a:xfrm>
-            <a:off x="2661920" y="3190240"/>
-            <a:ext cx="833120" cy="304800"/>
-          </a:xfrm>
-          <a:prstGeom prst="downArrow">
-            <a:avLst/>
-          </a:prstGeom>
-        </p:spPr>
-        <p:style>
-          <a:lnRef idx="2">
-            <a:schemeClr val="accent1">
-              <a:shade val="50000"/>
-            </a:schemeClr>
-          </a:lnRef>
-          <a:fillRef idx="1">
-            <a:schemeClr val="accent1"/>
-          </a:fillRef>
-          <a:effectRef idx="0">
-            <a:schemeClr val="accent1"/>
-          </a:effectRef>
-          <a:fontRef idx="minor">
-            <a:schemeClr val="lt1"/>
-          </a:fontRef>
-        </p:style>
-        <p:txBody>
-          <a:bodyPr rtlCol="0" anchor="ctr"/>
-          <a:lstStyle/>
-          <a:p>
-            <a:pPr algn="ctr"/>
-            <a:endParaRPr lang="en-US"/>
-          </a:p>
-        </p:txBody>
-      </p:sp>
-      <p:sp>
-        <p:nvSpPr>
           <p:cNvPr id="12" name="TextBox 11"/>
           <p:cNvSpPr txBox="1"/>
           <p:nvPr/>
@@ -7530,7 +7871,7 @@
         <p:spPr>
           <a:xfrm>
             <a:off x="-20320" y="6520934"/>
-            <a:ext cx="2042160" cy="369332"/>
+            <a:ext cx="3824224" cy="369332"/>
           </a:xfrm>
           <a:prstGeom prst="rect">
             <a:avLst/>
@@ -7545,15 +7886,729 @@
           <a:p>
             <a:r>
               <a:rPr lang="en-US" dirty="0"/>
-              <a:t>Go</a:t>
-            </a:r>
+              <a:t>Convert Hex to Ascii or Ascii to Hex</a:t>
+            </a:r>
+          </a:p>
+        </p:txBody>
+      </p:sp>
+      <p:sp>
+        <p:nvSpPr>
+          <p:cNvPr id="8" name="Arrow: Down 7"/>
+          <p:cNvSpPr/>
+          <p:nvPr/>
+        </p:nvSpPr>
+        <p:spPr>
+          <a:xfrm>
+            <a:off x="5092192" y="872335"/>
+            <a:ext cx="584200" cy="432308"/>
+          </a:xfrm>
+          <a:prstGeom prst="downArrow">
+            <a:avLst/>
+          </a:prstGeom>
+        </p:spPr>
+        <p:style>
+          <a:lnRef idx="2">
+            <a:schemeClr val="accent1">
+              <a:shade val="50000"/>
+            </a:schemeClr>
+          </a:lnRef>
+          <a:fillRef idx="1">
+            <a:schemeClr val="accent1"/>
+          </a:fillRef>
+          <a:effectRef idx="0">
+            <a:schemeClr val="accent1"/>
+          </a:effectRef>
+          <a:fontRef idx="minor">
+            <a:schemeClr val="lt1"/>
+          </a:fontRef>
+        </p:style>
+        <p:txBody>
+          <a:bodyPr rtlCol="0" anchor="ctr"/>
+          <a:lstStyle/>
+          <a:p>
+            <a:pPr algn="ctr"/>
+            <a:endParaRPr lang="en-US"/>
+          </a:p>
+        </p:txBody>
+      </p:sp>
+      <p:sp>
+        <p:nvSpPr>
+          <p:cNvPr id="11" name="Arrow: Down 10"/>
+          <p:cNvSpPr/>
+          <p:nvPr/>
+        </p:nvSpPr>
+        <p:spPr>
+          <a:xfrm>
+            <a:off x="1087463" y="2909724"/>
+            <a:ext cx="1403604" cy="432308"/>
+          </a:xfrm>
+          <a:prstGeom prst="downArrow">
+            <a:avLst/>
+          </a:prstGeom>
+        </p:spPr>
+        <p:style>
+          <a:lnRef idx="2">
+            <a:schemeClr val="accent1">
+              <a:shade val="50000"/>
+            </a:schemeClr>
+          </a:lnRef>
+          <a:fillRef idx="1">
+            <a:schemeClr val="accent1"/>
+          </a:fillRef>
+          <a:effectRef idx="0">
+            <a:schemeClr val="accent1"/>
+          </a:effectRef>
+          <a:fontRef idx="minor">
+            <a:schemeClr val="lt1"/>
+          </a:fontRef>
+        </p:style>
+        <p:txBody>
+          <a:bodyPr rtlCol="0" anchor="ctr"/>
+          <a:lstStyle/>
+          <a:p>
+            <a:pPr algn="ctr"/>
+            <a:r>
+              <a:rPr lang="en-US" dirty="0"/>
+              <a:t>ASCII</a:t>
+            </a:r>
+          </a:p>
+        </p:txBody>
+      </p:sp>
+      <p:sp>
+        <p:nvSpPr>
+          <p:cNvPr id="13" name="Arrow: Bent-Up 12"/>
+          <p:cNvSpPr/>
+          <p:nvPr/>
+        </p:nvSpPr>
+        <p:spPr>
+          <a:xfrm>
+            <a:off x="3014472" y="337312"/>
+            <a:ext cx="787400" cy="3588512"/>
+          </a:xfrm>
+          <a:prstGeom prst="bentUpArrow">
+            <a:avLst>
+              <a:gd name="adj1" fmla="val 26548"/>
+              <a:gd name="adj2" fmla="val 12273"/>
+              <a:gd name="adj3" fmla="val 21321"/>
+            </a:avLst>
+          </a:prstGeom>
+        </p:spPr>
+        <p:style>
+          <a:lnRef idx="2">
+            <a:schemeClr val="accent1">
+              <a:shade val="50000"/>
+            </a:schemeClr>
+          </a:lnRef>
+          <a:fillRef idx="1">
+            <a:schemeClr val="accent1"/>
+          </a:fillRef>
+          <a:effectRef idx="0">
+            <a:schemeClr val="accent1"/>
+          </a:effectRef>
+          <a:fontRef idx="minor">
+            <a:schemeClr val="lt1"/>
+          </a:fontRef>
+        </p:style>
+        <p:txBody>
+          <a:bodyPr rtlCol="0" anchor="ctr"/>
+          <a:lstStyle/>
+          <a:p>
+            <a:pPr algn="ctr"/>
+            <a:r>
+              <a:rPr lang="en-US" dirty="0"/>
+              <a:t>Hex</a:t>
+            </a:r>
+          </a:p>
+        </p:txBody>
+      </p:sp>
+      <p:sp>
+        <p:nvSpPr>
+          <p:cNvPr id="14" name="Oval 13"/>
+          <p:cNvSpPr/>
+          <p:nvPr/>
+        </p:nvSpPr>
+        <p:spPr>
+          <a:xfrm>
+            <a:off x="692912" y="0"/>
+            <a:ext cx="2113280" cy="1300480"/>
+          </a:xfrm>
+          <a:prstGeom prst="ellipse">
+            <a:avLst/>
+          </a:prstGeom>
+        </p:spPr>
+        <p:style>
+          <a:lnRef idx="2">
+            <a:schemeClr val="accent1">
+              <a:shade val="50000"/>
+            </a:schemeClr>
+          </a:lnRef>
+          <a:fillRef idx="1">
+            <a:schemeClr val="accent1"/>
+          </a:fillRef>
+          <a:effectRef idx="0">
+            <a:schemeClr val="accent1"/>
+          </a:effectRef>
+          <a:fontRef idx="minor">
+            <a:schemeClr val="lt1"/>
+          </a:fontRef>
+        </p:style>
+        <p:txBody>
+          <a:bodyPr rtlCol="0" anchor="ctr"/>
+          <a:lstStyle/>
+          <a:p>
+            <a:pPr algn="ctr"/>
+            <a:r>
+              <a:rPr lang="en-US" dirty="0"/>
+              <a:t>Get data and mode from interpreter</a:t>
+            </a:r>
+          </a:p>
+        </p:txBody>
+      </p:sp>
+      <p:sp>
+        <p:nvSpPr>
+          <p:cNvPr id="18" name="Arrow: Down 17"/>
+          <p:cNvSpPr/>
+          <p:nvPr/>
+        </p:nvSpPr>
+        <p:spPr>
+          <a:xfrm>
+            <a:off x="1432052" y="1300480"/>
+            <a:ext cx="652780" cy="487680"/>
+          </a:xfrm>
+          <a:prstGeom prst="downArrow">
+            <a:avLst/>
+          </a:prstGeom>
+        </p:spPr>
+        <p:style>
+          <a:lnRef idx="2">
+            <a:schemeClr val="accent1">
+              <a:shade val="50000"/>
+            </a:schemeClr>
+          </a:lnRef>
+          <a:fillRef idx="1">
+            <a:schemeClr val="accent1"/>
+          </a:fillRef>
+          <a:effectRef idx="0">
+            <a:schemeClr val="accent1"/>
+          </a:effectRef>
+          <a:fontRef idx="minor">
+            <a:schemeClr val="lt1"/>
+          </a:fontRef>
+        </p:style>
+        <p:txBody>
+          <a:bodyPr rtlCol="0" anchor="ctr"/>
+          <a:lstStyle/>
+          <a:p>
+            <a:pPr algn="ctr"/>
+            <a:endParaRPr lang="en-US"/>
+          </a:p>
+        </p:txBody>
+      </p:sp>
+      <p:sp>
+        <p:nvSpPr>
+          <p:cNvPr id="21" name="Oval 20"/>
+          <p:cNvSpPr/>
+          <p:nvPr/>
+        </p:nvSpPr>
+        <p:spPr>
+          <a:xfrm>
+            <a:off x="4307840" y="-71755"/>
+            <a:ext cx="2152904" cy="970788"/>
+          </a:xfrm>
+          <a:prstGeom prst="ellipse">
+            <a:avLst/>
+          </a:prstGeom>
+        </p:spPr>
+        <p:style>
+          <a:lnRef idx="2">
+            <a:schemeClr val="accent1">
+              <a:shade val="50000"/>
+            </a:schemeClr>
+          </a:lnRef>
+          <a:fillRef idx="1">
+            <a:schemeClr val="accent1"/>
+          </a:fillRef>
+          <a:effectRef idx="0">
+            <a:schemeClr val="accent1"/>
+          </a:effectRef>
+          <a:fontRef idx="minor">
+            <a:schemeClr val="lt1"/>
+          </a:fontRef>
+        </p:style>
+        <p:txBody>
+          <a:bodyPr rtlCol="0" anchor="ctr"/>
+          <a:lstStyle/>
+          <a:p>
+            <a:pPr algn="ctr"/>
+            <a:r>
+              <a:rPr lang="en-US" dirty="0"/>
+              <a:t>Interpreter Data = A</a:t>
+            </a:r>
+          </a:p>
+        </p:txBody>
+      </p:sp>
+      <p:sp>
+        <p:nvSpPr>
+          <p:cNvPr id="22" name="Oval 21"/>
+          <p:cNvSpPr/>
+          <p:nvPr/>
+        </p:nvSpPr>
+        <p:spPr>
+          <a:xfrm>
+            <a:off x="4071112" y="2654340"/>
+            <a:ext cx="2626360" cy="970280"/>
+          </a:xfrm>
+          <a:prstGeom prst="ellipse">
+            <a:avLst/>
+          </a:prstGeom>
+        </p:spPr>
+        <p:style>
+          <a:lnRef idx="2">
+            <a:schemeClr val="accent1">
+              <a:shade val="50000"/>
+            </a:schemeClr>
+          </a:lnRef>
+          <a:fillRef idx="1">
+            <a:schemeClr val="accent1"/>
+          </a:fillRef>
+          <a:effectRef idx="0">
+            <a:schemeClr val="accent1"/>
+          </a:effectRef>
+          <a:fontRef idx="minor">
+            <a:schemeClr val="lt1"/>
+          </a:fontRef>
+        </p:style>
+        <p:txBody>
+          <a:bodyPr rtlCol="0" anchor="ctr"/>
+          <a:lstStyle/>
+          <a:p>
+            <a:pPr algn="ctr"/>
+            <a:r>
+              <a:rPr lang="en-US" dirty="0"/>
+              <a:t>Print first digit as Integer</a:t>
+            </a:r>
+          </a:p>
+        </p:txBody>
+      </p:sp>
+      <p:sp>
+        <p:nvSpPr>
+          <p:cNvPr id="23" name="Oval 22"/>
+          <p:cNvSpPr/>
+          <p:nvPr/>
+        </p:nvSpPr>
+        <p:spPr>
+          <a:xfrm>
+            <a:off x="4436030" y="5449130"/>
+            <a:ext cx="1828800" cy="1082040"/>
+          </a:xfrm>
+          <a:prstGeom prst="ellipse">
+            <a:avLst/>
+          </a:prstGeom>
+        </p:spPr>
+        <p:style>
+          <a:lnRef idx="2">
+            <a:schemeClr val="accent1">
+              <a:shade val="50000"/>
+            </a:schemeClr>
+          </a:lnRef>
+          <a:fillRef idx="1">
+            <a:schemeClr val="accent1"/>
+          </a:fillRef>
+          <a:effectRef idx="0">
+            <a:schemeClr val="accent1"/>
+          </a:effectRef>
+          <a:fontRef idx="minor">
+            <a:schemeClr val="lt1"/>
+          </a:fontRef>
+        </p:style>
+        <p:txBody>
+          <a:bodyPr rtlCol="0" anchor="ctr"/>
+          <a:lstStyle/>
+          <a:p>
+            <a:pPr algn="ctr"/>
+            <a:r>
+              <a:rPr lang="en-US" dirty="0"/>
+              <a:t>Go back to command interpreter</a:t>
+            </a:r>
+          </a:p>
+        </p:txBody>
+      </p:sp>
+      <p:sp>
+        <p:nvSpPr>
+          <p:cNvPr id="24" name="Arrow: Right 23"/>
+          <p:cNvSpPr/>
+          <p:nvPr/>
+        </p:nvSpPr>
+        <p:spPr>
+          <a:xfrm>
+            <a:off x="3590988" y="224663"/>
+            <a:ext cx="690880" cy="377952"/>
+          </a:xfrm>
+          <a:prstGeom prst="rightArrow">
+            <a:avLst/>
+          </a:prstGeom>
+        </p:spPr>
+        <p:style>
+          <a:lnRef idx="2">
+            <a:schemeClr val="accent1">
+              <a:shade val="50000"/>
+            </a:schemeClr>
+          </a:lnRef>
+          <a:fillRef idx="1">
+            <a:schemeClr val="accent1"/>
+          </a:fillRef>
+          <a:effectRef idx="0">
+            <a:schemeClr val="accent1"/>
+          </a:effectRef>
+          <a:fontRef idx="minor">
+            <a:schemeClr val="lt1"/>
+          </a:fontRef>
+        </p:style>
+        <p:txBody>
+          <a:bodyPr rtlCol="0" anchor="ctr"/>
+          <a:lstStyle/>
+          <a:p>
+            <a:pPr algn="ctr"/>
+            <a:endParaRPr lang="en-US" dirty="0"/>
+          </a:p>
+        </p:txBody>
+      </p:sp>
+      <p:sp>
+        <p:nvSpPr>
+          <p:cNvPr id="25" name="Flowchart: Decision 24"/>
+          <p:cNvSpPr/>
+          <p:nvPr/>
+        </p:nvSpPr>
+        <p:spPr>
+          <a:xfrm>
+            <a:off x="474815" y="1749756"/>
+            <a:ext cx="2628900" cy="1143000"/>
+          </a:xfrm>
+          <a:prstGeom prst="flowChartDecision">
+            <a:avLst/>
+          </a:prstGeom>
+        </p:spPr>
+        <p:style>
+          <a:lnRef idx="2">
+            <a:schemeClr val="accent1">
+              <a:shade val="50000"/>
+            </a:schemeClr>
+          </a:lnRef>
+          <a:fillRef idx="1">
+            <a:schemeClr val="accent1"/>
+          </a:fillRef>
+          <a:effectRef idx="0">
+            <a:schemeClr val="accent1"/>
+          </a:effectRef>
+          <a:fontRef idx="minor">
+            <a:schemeClr val="lt1"/>
+          </a:fontRef>
+        </p:style>
+        <p:txBody>
+          <a:bodyPr rtlCol="0" anchor="ctr"/>
+          <a:lstStyle/>
+          <a:p>
+            <a:pPr algn="ctr"/>
+            <a:r>
+              <a:rPr lang="en-US" dirty="0"/>
+              <a:t>What is Operation mode</a:t>
+            </a:r>
+          </a:p>
+        </p:txBody>
+      </p:sp>
+      <p:sp>
+        <p:nvSpPr>
+          <p:cNvPr id="29" name="Arrow: Right 28"/>
+          <p:cNvSpPr/>
+          <p:nvPr/>
+        </p:nvSpPr>
+        <p:spPr>
+          <a:xfrm rot="2229398">
+            <a:off x="1742755" y="4757396"/>
+            <a:ext cx="3000040" cy="514858"/>
+          </a:xfrm>
+          <a:prstGeom prst="rightArrow">
+            <a:avLst/>
+          </a:prstGeom>
+        </p:spPr>
+        <p:style>
+          <a:lnRef idx="2">
+            <a:schemeClr val="accent1">
+              <a:shade val="50000"/>
+            </a:schemeClr>
+          </a:lnRef>
+          <a:fillRef idx="1">
+            <a:schemeClr val="accent1"/>
+          </a:fillRef>
+          <a:effectRef idx="0">
+            <a:schemeClr val="accent1"/>
+          </a:effectRef>
+          <a:fontRef idx="minor">
+            <a:schemeClr val="lt1"/>
+          </a:fontRef>
+        </p:style>
+        <p:txBody>
+          <a:bodyPr rtlCol="0" anchor="ctr"/>
+          <a:lstStyle/>
+          <a:p>
+            <a:pPr algn="ctr"/>
+            <a:endParaRPr lang="en-US" dirty="0"/>
+          </a:p>
+        </p:txBody>
+      </p:sp>
+      <p:sp>
+        <p:nvSpPr>
+          <p:cNvPr id="30" name="Oval 29"/>
+          <p:cNvSpPr/>
+          <p:nvPr/>
+        </p:nvSpPr>
+        <p:spPr>
+          <a:xfrm>
+            <a:off x="436372" y="3342032"/>
+            <a:ext cx="2626360" cy="970280"/>
+          </a:xfrm>
+          <a:prstGeom prst="ellipse">
+            <a:avLst/>
+          </a:prstGeom>
+        </p:spPr>
+        <p:style>
+          <a:lnRef idx="2">
+            <a:schemeClr val="accent1">
+              <a:shade val="50000"/>
+            </a:schemeClr>
+          </a:lnRef>
+          <a:fillRef idx="1">
+            <a:schemeClr val="accent1"/>
+          </a:fillRef>
+          <a:effectRef idx="0">
+            <a:schemeClr val="accent1"/>
+          </a:effectRef>
+          <a:fontRef idx="minor">
+            <a:schemeClr val="lt1"/>
+          </a:fontRef>
+        </p:style>
+        <p:txBody>
+          <a:bodyPr rtlCol="0" anchor="ctr"/>
+          <a:lstStyle/>
+          <a:p>
+            <a:pPr algn="ctr"/>
+            <a:r>
+              <a:rPr lang="en-US" dirty="0"/>
+              <a:t>Display Data from Interpreter using Trap</a:t>
+            </a:r>
+          </a:p>
+        </p:txBody>
+      </p:sp>
+      <p:sp>
+        <p:nvSpPr>
+          <p:cNvPr id="31" name="Arrow: Down 30"/>
+          <p:cNvSpPr/>
+          <p:nvPr/>
+        </p:nvSpPr>
+        <p:spPr>
+          <a:xfrm>
+            <a:off x="5069103" y="2246856"/>
+            <a:ext cx="584200" cy="432308"/>
+          </a:xfrm>
+          <a:prstGeom prst="downArrow">
+            <a:avLst/>
+          </a:prstGeom>
+        </p:spPr>
+        <p:style>
+          <a:lnRef idx="2">
+            <a:schemeClr val="accent1">
+              <a:shade val="50000"/>
+            </a:schemeClr>
+          </a:lnRef>
+          <a:fillRef idx="1">
+            <a:schemeClr val="accent1"/>
+          </a:fillRef>
+          <a:effectRef idx="0">
+            <a:schemeClr val="accent1"/>
+          </a:effectRef>
+          <a:fontRef idx="minor">
+            <a:schemeClr val="lt1"/>
+          </a:fontRef>
+        </p:style>
+        <p:txBody>
+          <a:bodyPr rtlCol="0" anchor="ctr"/>
+          <a:lstStyle/>
+          <a:p>
+            <a:pPr algn="ctr"/>
+            <a:endParaRPr lang="en-US"/>
+          </a:p>
+        </p:txBody>
+      </p:sp>
+      <p:sp>
+        <p:nvSpPr>
+          <p:cNvPr id="32" name="Oval 31"/>
+          <p:cNvSpPr/>
+          <p:nvPr/>
+        </p:nvSpPr>
+        <p:spPr>
+          <a:xfrm>
+            <a:off x="4284751" y="1302766"/>
+            <a:ext cx="2152904" cy="970788"/>
+          </a:xfrm>
+          <a:prstGeom prst="ellipse">
+            <a:avLst/>
+          </a:prstGeom>
+        </p:spPr>
+        <p:style>
+          <a:lnRef idx="2">
+            <a:schemeClr val="accent1">
+              <a:shade val="50000"/>
+            </a:schemeClr>
+          </a:lnRef>
+          <a:fillRef idx="1">
+            <a:schemeClr val="accent1"/>
+          </a:fillRef>
+          <a:effectRef idx="0">
+            <a:schemeClr val="accent1"/>
+          </a:effectRef>
+          <a:fontRef idx="minor">
+            <a:schemeClr val="lt1"/>
+          </a:fontRef>
+        </p:style>
+        <p:txBody>
+          <a:bodyPr rtlCol="0" anchor="ctr"/>
+          <a:lstStyle/>
+          <a:p>
+            <a:pPr algn="ctr"/>
+            <a:r>
+              <a:rPr lang="en-US" dirty="0"/>
+              <a:t>Convert A to ASCII using subroutine</a:t>
+            </a:r>
+          </a:p>
+        </p:txBody>
+      </p:sp>
+      <p:sp>
+        <p:nvSpPr>
+          <p:cNvPr id="33" name="Arrow: Down 32"/>
+          <p:cNvSpPr/>
+          <p:nvPr/>
+        </p:nvSpPr>
+        <p:spPr>
+          <a:xfrm>
+            <a:off x="5081419" y="3615038"/>
+            <a:ext cx="584200" cy="432308"/>
+          </a:xfrm>
+          <a:prstGeom prst="downArrow">
+            <a:avLst/>
+          </a:prstGeom>
+        </p:spPr>
+        <p:style>
+          <a:lnRef idx="2">
+            <a:schemeClr val="accent1">
+              <a:shade val="50000"/>
+            </a:schemeClr>
+          </a:lnRef>
+          <a:fillRef idx="1">
+            <a:schemeClr val="accent1"/>
+          </a:fillRef>
+          <a:effectRef idx="0">
+            <a:schemeClr val="accent1"/>
+          </a:effectRef>
+          <a:fontRef idx="minor">
+            <a:schemeClr val="lt1"/>
+          </a:fontRef>
+        </p:style>
+        <p:txBody>
+          <a:bodyPr rtlCol="0" anchor="ctr"/>
+          <a:lstStyle/>
+          <a:p>
+            <a:pPr algn="ctr"/>
+            <a:endParaRPr lang="en-US"/>
+          </a:p>
+        </p:txBody>
+      </p:sp>
+      <p:sp>
+        <p:nvSpPr>
+          <p:cNvPr id="35" name="Oval 34"/>
+          <p:cNvSpPr/>
+          <p:nvPr/>
+        </p:nvSpPr>
+        <p:spPr>
+          <a:xfrm>
+            <a:off x="4273978" y="4045469"/>
+            <a:ext cx="2152904" cy="970788"/>
+          </a:xfrm>
+          <a:prstGeom prst="ellipse">
+            <a:avLst/>
+          </a:prstGeom>
+        </p:spPr>
+        <p:style>
+          <a:lnRef idx="2">
+            <a:schemeClr val="accent1">
+              <a:shade val="50000"/>
+            </a:schemeClr>
+          </a:lnRef>
+          <a:fillRef idx="1">
+            <a:schemeClr val="accent1"/>
+          </a:fillRef>
+          <a:effectRef idx="0">
+            <a:schemeClr val="accent1"/>
+          </a:effectRef>
+          <a:fontRef idx="minor">
+            <a:schemeClr val="lt1"/>
+          </a:fontRef>
+        </p:style>
+        <p:txBody>
+          <a:bodyPr rtlCol="0" anchor="ctr"/>
+          <a:lstStyle/>
+          <a:p>
+            <a:pPr algn="ctr"/>
+            <a:r>
+              <a:rPr lang="en-US" dirty="0"/>
+              <a:t>Print second digit as integer</a:t>
+            </a:r>
+          </a:p>
+        </p:txBody>
+      </p:sp>
+      <p:sp>
+        <p:nvSpPr>
+          <p:cNvPr id="36" name="Arrow: Down 35"/>
+          <p:cNvSpPr/>
+          <p:nvPr/>
+        </p:nvSpPr>
+        <p:spPr>
+          <a:xfrm>
+            <a:off x="5058330" y="5016822"/>
+            <a:ext cx="584200" cy="432308"/>
+          </a:xfrm>
+          <a:prstGeom prst="downArrow">
+            <a:avLst/>
+          </a:prstGeom>
+        </p:spPr>
+        <p:style>
+          <a:lnRef idx="2">
+            <a:schemeClr val="accent1">
+              <a:shade val="50000"/>
+            </a:schemeClr>
+          </a:lnRef>
+          <a:fillRef idx="1">
+            <a:schemeClr val="accent1"/>
+          </a:fillRef>
+          <a:effectRef idx="0">
+            <a:schemeClr val="accent1"/>
+          </a:effectRef>
+          <a:fontRef idx="minor">
+            <a:schemeClr val="lt1"/>
+          </a:fontRef>
+        </p:style>
+        <p:txBody>
+          <a:bodyPr rtlCol="0" anchor="ctr"/>
+          <a:lstStyle/>
+          <a:p>
+            <a:pPr algn="ctr"/>
+            <a:endParaRPr lang="en-US"/>
           </a:p>
         </p:txBody>
       </p:sp>
     </p:spTree>
     <p:extLst>
       <p:ext uri="{BB962C8B-B14F-4D97-AF65-F5344CB8AC3E}">
-        <p14:creationId xmlns:p14="http://schemas.microsoft.com/office/powerpoint/2010/main" val="1822900062"/>
+        <p14:creationId xmlns:p14="http://schemas.microsoft.com/office/powerpoint/2010/main" val="989971265"/>
       </p:ext>
     </p:extLst>
   </p:cSld>
@@ -7588,8 +8643,8 @@
         </p:nvSpPr>
         <p:spPr>
           <a:xfrm>
-            <a:off x="-20320" y="6520934"/>
-            <a:ext cx="2042160" cy="369332"/>
+            <a:off x="-1" y="6488668"/>
+            <a:ext cx="1886674" cy="369332"/>
           </a:xfrm>
           <a:prstGeom prst="rect">
             <a:avLst/>
@@ -7604,15 +8659,390 @@
           <a:p>
             <a:r>
               <a:rPr lang="en-US" dirty="0"/>
-              <a:t>Exit</a:t>
-            </a:r>
+              <a:t>Clear Registers</a:t>
+            </a:r>
+          </a:p>
+        </p:txBody>
+      </p:sp>
+      <p:sp>
+        <p:nvSpPr>
+          <p:cNvPr id="36" name="Oval 35"/>
+          <p:cNvSpPr/>
+          <p:nvPr/>
+        </p:nvSpPr>
+        <p:spPr>
+          <a:xfrm>
+            <a:off x="1430183" y="3454522"/>
+            <a:ext cx="2113280" cy="1300480"/>
+          </a:xfrm>
+          <a:prstGeom prst="ellipse">
+            <a:avLst/>
+          </a:prstGeom>
+        </p:spPr>
+        <p:style>
+          <a:lnRef idx="2">
+            <a:schemeClr val="accent1">
+              <a:shade val="50000"/>
+            </a:schemeClr>
+          </a:lnRef>
+          <a:fillRef idx="1">
+            <a:schemeClr val="accent1"/>
+          </a:fillRef>
+          <a:effectRef idx="0">
+            <a:schemeClr val="accent1"/>
+          </a:effectRef>
+          <a:fontRef idx="minor">
+            <a:schemeClr val="lt1"/>
+          </a:fontRef>
+        </p:style>
+        <p:txBody>
+          <a:bodyPr rtlCol="0" anchor="ctr"/>
+          <a:lstStyle/>
+          <a:p>
+            <a:pPr algn="ctr"/>
+            <a:r>
+              <a:rPr lang="en-US" dirty="0"/>
+              <a:t>Move registers used for printing to stack</a:t>
+            </a:r>
+          </a:p>
+        </p:txBody>
+      </p:sp>
+      <p:sp>
+        <p:nvSpPr>
+          <p:cNvPr id="38" name="Oval 37"/>
+          <p:cNvSpPr/>
+          <p:nvPr/>
+        </p:nvSpPr>
+        <p:spPr>
+          <a:xfrm>
+            <a:off x="1351490" y="189468"/>
+            <a:ext cx="2275629" cy="1300480"/>
+          </a:xfrm>
+          <a:prstGeom prst="ellipse">
+            <a:avLst/>
+          </a:prstGeom>
+        </p:spPr>
+        <p:style>
+          <a:lnRef idx="2">
+            <a:schemeClr val="accent1">
+              <a:shade val="50000"/>
+            </a:schemeClr>
+          </a:lnRef>
+          <a:fillRef idx="1">
+            <a:schemeClr val="accent1"/>
+          </a:fillRef>
+          <a:effectRef idx="0">
+            <a:schemeClr val="accent1"/>
+          </a:effectRef>
+          <a:fontRef idx="minor">
+            <a:schemeClr val="lt1"/>
+          </a:fontRef>
+        </p:style>
+        <p:txBody>
+          <a:bodyPr rtlCol="0" anchor="ctr"/>
+          <a:lstStyle/>
+          <a:p>
+            <a:pPr algn="ctr"/>
+            <a:r>
+              <a:rPr lang="en-US" dirty="0"/>
+              <a:t>Set A0 through A6 to 0</a:t>
+            </a:r>
+          </a:p>
+        </p:txBody>
+      </p:sp>
+      <p:sp>
+        <p:nvSpPr>
+          <p:cNvPr id="39" name="Oval 38"/>
+          <p:cNvSpPr/>
+          <p:nvPr/>
+        </p:nvSpPr>
+        <p:spPr>
+          <a:xfrm>
+            <a:off x="1346529" y="1794748"/>
+            <a:ext cx="2280589" cy="1300480"/>
+          </a:xfrm>
+          <a:prstGeom prst="ellipse">
+            <a:avLst/>
+          </a:prstGeom>
+        </p:spPr>
+        <p:style>
+          <a:lnRef idx="2">
+            <a:schemeClr val="accent1">
+              <a:shade val="50000"/>
+            </a:schemeClr>
+          </a:lnRef>
+          <a:fillRef idx="1">
+            <a:schemeClr val="accent1"/>
+          </a:fillRef>
+          <a:effectRef idx="0">
+            <a:schemeClr val="accent1"/>
+          </a:effectRef>
+          <a:fontRef idx="minor">
+            <a:schemeClr val="lt1"/>
+          </a:fontRef>
+        </p:style>
+        <p:txBody>
+          <a:bodyPr rtlCol="0" anchor="ctr"/>
+          <a:lstStyle/>
+          <a:p>
+            <a:pPr algn="ctr"/>
+            <a:r>
+              <a:rPr lang="en-US" dirty="0"/>
+              <a:t>Set D0 through D7 to 0</a:t>
+            </a:r>
+          </a:p>
+        </p:txBody>
+      </p:sp>
+      <p:sp>
+        <p:nvSpPr>
+          <p:cNvPr id="42" name="Arrow: Down 41"/>
+          <p:cNvSpPr/>
+          <p:nvPr/>
+        </p:nvSpPr>
+        <p:spPr>
+          <a:xfrm>
+            <a:off x="2244253" y="1489948"/>
+            <a:ext cx="485140" cy="304800"/>
+          </a:xfrm>
+          <a:prstGeom prst="downArrow">
+            <a:avLst/>
+          </a:prstGeom>
+        </p:spPr>
+        <p:style>
+          <a:lnRef idx="2">
+            <a:schemeClr val="accent1">
+              <a:shade val="50000"/>
+            </a:schemeClr>
+          </a:lnRef>
+          <a:fillRef idx="1">
+            <a:schemeClr val="accent1"/>
+          </a:fillRef>
+          <a:effectRef idx="0">
+            <a:schemeClr val="accent1"/>
+          </a:effectRef>
+          <a:fontRef idx="minor">
+            <a:schemeClr val="lt1"/>
+          </a:fontRef>
+        </p:style>
+        <p:txBody>
+          <a:bodyPr rtlCol="0" anchor="ctr"/>
+          <a:lstStyle/>
+          <a:p>
+            <a:pPr algn="ctr"/>
+            <a:endParaRPr lang="en-US"/>
+          </a:p>
+        </p:txBody>
+      </p:sp>
+      <p:sp>
+        <p:nvSpPr>
+          <p:cNvPr id="21" name="Arrow: Down 20"/>
+          <p:cNvSpPr/>
+          <p:nvPr/>
+        </p:nvSpPr>
+        <p:spPr>
+          <a:xfrm>
+            <a:off x="2231088" y="3095228"/>
+            <a:ext cx="498305" cy="359294"/>
+          </a:xfrm>
+          <a:prstGeom prst="downArrow">
+            <a:avLst/>
+          </a:prstGeom>
+        </p:spPr>
+        <p:style>
+          <a:lnRef idx="2">
+            <a:schemeClr val="accent1">
+              <a:shade val="50000"/>
+            </a:schemeClr>
+          </a:lnRef>
+          <a:fillRef idx="1">
+            <a:schemeClr val="accent1"/>
+          </a:fillRef>
+          <a:effectRef idx="0">
+            <a:schemeClr val="accent1"/>
+          </a:effectRef>
+          <a:fontRef idx="minor">
+            <a:schemeClr val="lt1"/>
+          </a:fontRef>
+        </p:style>
+        <p:txBody>
+          <a:bodyPr rtlCol="0" anchor="ctr"/>
+          <a:lstStyle/>
+          <a:p>
+            <a:pPr algn="ctr"/>
+            <a:endParaRPr lang="en-US"/>
+          </a:p>
+        </p:txBody>
+      </p:sp>
+      <p:sp>
+        <p:nvSpPr>
+          <p:cNvPr id="22" name="Oval 21"/>
+          <p:cNvSpPr/>
+          <p:nvPr/>
+        </p:nvSpPr>
+        <p:spPr>
+          <a:xfrm>
+            <a:off x="1430183" y="5114296"/>
+            <a:ext cx="2113280" cy="1300480"/>
+          </a:xfrm>
+          <a:prstGeom prst="ellipse">
+            <a:avLst/>
+          </a:prstGeom>
+        </p:spPr>
+        <p:style>
+          <a:lnRef idx="2">
+            <a:schemeClr val="accent1">
+              <a:shade val="50000"/>
+            </a:schemeClr>
+          </a:lnRef>
+          <a:fillRef idx="1">
+            <a:schemeClr val="accent1"/>
+          </a:fillRef>
+          <a:effectRef idx="0">
+            <a:schemeClr val="accent1"/>
+          </a:effectRef>
+          <a:fontRef idx="minor">
+            <a:schemeClr val="lt1"/>
+          </a:fontRef>
+        </p:style>
+        <p:txBody>
+          <a:bodyPr rtlCol="0" anchor="ctr"/>
+          <a:lstStyle/>
+          <a:p>
+            <a:pPr algn="ctr"/>
+            <a:r>
+              <a:rPr lang="en-US" dirty="0"/>
+              <a:t>Print message showing registers are cleared</a:t>
+            </a:r>
+          </a:p>
+        </p:txBody>
+      </p:sp>
+      <p:sp>
+        <p:nvSpPr>
+          <p:cNvPr id="23" name="Arrow: Down 22"/>
+          <p:cNvSpPr/>
+          <p:nvPr/>
+        </p:nvSpPr>
+        <p:spPr>
+          <a:xfrm>
+            <a:off x="2231088" y="4755002"/>
+            <a:ext cx="498305" cy="359294"/>
+          </a:xfrm>
+          <a:prstGeom prst="downArrow">
+            <a:avLst/>
+          </a:prstGeom>
+        </p:spPr>
+        <p:style>
+          <a:lnRef idx="2">
+            <a:schemeClr val="accent1">
+              <a:shade val="50000"/>
+            </a:schemeClr>
+          </a:lnRef>
+          <a:fillRef idx="1">
+            <a:schemeClr val="accent1"/>
+          </a:fillRef>
+          <a:effectRef idx="0">
+            <a:schemeClr val="accent1"/>
+          </a:effectRef>
+          <a:fontRef idx="minor">
+            <a:schemeClr val="lt1"/>
+          </a:fontRef>
+        </p:style>
+        <p:txBody>
+          <a:bodyPr rtlCol="0" anchor="ctr"/>
+          <a:lstStyle/>
+          <a:p>
+            <a:pPr algn="ctr"/>
+            <a:endParaRPr lang="en-US"/>
+          </a:p>
+        </p:txBody>
+      </p:sp>
+      <p:sp>
+        <p:nvSpPr>
+          <p:cNvPr id="24" name="Oval 23"/>
+          <p:cNvSpPr/>
+          <p:nvPr/>
+        </p:nvSpPr>
+        <p:spPr>
+          <a:xfrm>
+            <a:off x="1430183" y="6771884"/>
+            <a:ext cx="2113280" cy="1300480"/>
+          </a:xfrm>
+          <a:prstGeom prst="ellipse">
+            <a:avLst/>
+          </a:prstGeom>
+        </p:spPr>
+        <p:style>
+          <a:lnRef idx="2">
+            <a:schemeClr val="accent1">
+              <a:shade val="50000"/>
+            </a:schemeClr>
+          </a:lnRef>
+          <a:fillRef idx="1">
+            <a:schemeClr val="accent1"/>
+          </a:fillRef>
+          <a:effectRef idx="0">
+            <a:schemeClr val="accent1"/>
+          </a:effectRef>
+          <a:fontRef idx="minor">
+            <a:schemeClr val="lt1"/>
+          </a:fontRef>
+        </p:style>
+        <p:txBody>
+          <a:bodyPr rtlCol="0" anchor="ctr"/>
+          <a:lstStyle/>
+          <a:p>
+            <a:pPr algn="ctr"/>
+            <a:r>
+              <a:rPr lang="en-US" dirty="0"/>
+              <a:t>Go Back to Command Interpreter</a:t>
+            </a:r>
+          </a:p>
+        </p:txBody>
+      </p:sp>
+      <p:sp>
+        <p:nvSpPr>
+          <p:cNvPr id="26" name="Arrow: Down 25"/>
+          <p:cNvSpPr/>
+          <p:nvPr/>
+        </p:nvSpPr>
+        <p:spPr>
+          <a:xfrm>
+            <a:off x="2231088" y="6412590"/>
+            <a:ext cx="498305" cy="359294"/>
+          </a:xfrm>
+          <a:prstGeom prst="downArrow">
+            <a:avLst/>
+          </a:prstGeom>
+        </p:spPr>
+        <p:style>
+          <a:lnRef idx="2">
+            <a:schemeClr val="accent1">
+              <a:shade val="50000"/>
+            </a:schemeClr>
+          </a:lnRef>
+          <a:fillRef idx="1">
+            <a:schemeClr val="accent1"/>
+          </a:fillRef>
+          <a:effectRef idx="0">
+            <a:schemeClr val="accent1"/>
+          </a:effectRef>
+          <a:fontRef idx="minor">
+            <a:schemeClr val="lt1"/>
+          </a:fontRef>
+        </p:style>
+        <p:txBody>
+          <a:bodyPr rtlCol="0" anchor="ctr"/>
+          <a:lstStyle/>
+          <a:p>
+            <a:pPr algn="ctr"/>
+            <a:endParaRPr lang="en-US"/>
           </a:p>
         </p:txBody>
       </p:sp>
     </p:spTree>
     <p:extLst>
       <p:ext uri="{BB962C8B-B14F-4D97-AF65-F5344CB8AC3E}">
-        <p14:creationId xmlns:p14="http://schemas.microsoft.com/office/powerpoint/2010/main" val="3842797992"/>
+        <p14:creationId xmlns:p14="http://schemas.microsoft.com/office/powerpoint/2010/main" val="3875368086"/>
       </p:ext>
     </p:extLst>
   </p:cSld>
@@ -7641,16 +9071,145 @@
       </p:grpSpPr>
       <p:sp>
         <p:nvSpPr>
-          <p:cNvPr id="8" name="Arrow: Right 7"/>
-          <p:cNvSpPr/>
-          <p:nvPr/>
-        </p:nvSpPr>
-        <p:spPr>
-          <a:xfrm>
-            <a:off x="7059698" y="5547482"/>
-            <a:ext cx="1125621" cy="590082"/>
-          </a:xfrm>
-          <a:prstGeom prst="rightArrow">
+          <p:cNvPr id="4" name="Oval 3"/>
+          <p:cNvSpPr/>
+          <p:nvPr/>
+        </p:nvSpPr>
+        <p:spPr>
+          <a:xfrm>
+            <a:off x="1250604" y="101600"/>
+            <a:ext cx="3655752" cy="1300480"/>
+          </a:xfrm>
+          <a:prstGeom prst="ellipse">
+            <a:avLst/>
+          </a:prstGeom>
+        </p:spPr>
+        <p:style>
+          <a:lnRef idx="2">
+            <a:schemeClr val="accent1">
+              <a:shade val="50000"/>
+            </a:schemeClr>
+          </a:lnRef>
+          <a:fillRef idx="1">
+            <a:schemeClr val="accent1"/>
+          </a:fillRef>
+          <a:effectRef idx="0">
+            <a:schemeClr val="accent1"/>
+          </a:effectRef>
+          <a:fontRef idx="minor">
+            <a:schemeClr val="lt1"/>
+          </a:fontRef>
+        </p:style>
+        <p:txBody>
+          <a:bodyPr rtlCol="0" anchor="ctr"/>
+          <a:lstStyle/>
+          <a:p>
+            <a:pPr algn="ctr"/>
+            <a:r>
+              <a:rPr lang="en-US" dirty="0"/>
+              <a:t>Get destination from command interpreter</a:t>
+            </a:r>
+          </a:p>
+        </p:txBody>
+      </p:sp>
+      <p:sp>
+        <p:nvSpPr>
+          <p:cNvPr id="5" name="Oval 4"/>
+          <p:cNvSpPr/>
+          <p:nvPr/>
+        </p:nvSpPr>
+        <p:spPr>
+          <a:xfrm>
+            <a:off x="969819" y="1889760"/>
+            <a:ext cx="4142508" cy="1300480"/>
+          </a:xfrm>
+          <a:prstGeom prst="ellipse">
+            <a:avLst/>
+          </a:prstGeom>
+        </p:spPr>
+        <p:style>
+          <a:lnRef idx="2">
+            <a:schemeClr val="accent1">
+              <a:shade val="50000"/>
+            </a:schemeClr>
+          </a:lnRef>
+          <a:fillRef idx="1">
+            <a:schemeClr val="accent1"/>
+          </a:fillRef>
+          <a:effectRef idx="0">
+            <a:schemeClr val="accent1"/>
+          </a:effectRef>
+          <a:fontRef idx="minor">
+            <a:schemeClr val="lt1"/>
+          </a:fontRef>
+        </p:style>
+        <p:txBody>
+          <a:bodyPr rtlCol="0" anchor="ctr"/>
+          <a:lstStyle/>
+          <a:p>
+            <a:pPr algn="ctr"/>
+            <a:r>
+              <a:rPr lang="en-US" dirty="0"/>
+              <a:t>Convert destination from ASCII to HEX</a:t>
+            </a:r>
+          </a:p>
+        </p:txBody>
+      </p:sp>
+      <p:sp>
+        <p:nvSpPr>
+          <p:cNvPr id="6" name="Oval 5"/>
+          <p:cNvSpPr/>
+          <p:nvPr/>
+        </p:nvSpPr>
+        <p:spPr>
+          <a:xfrm>
+            <a:off x="1250604" y="3495040"/>
+            <a:ext cx="3655752" cy="1300480"/>
+          </a:xfrm>
+          <a:prstGeom prst="ellipse">
+            <a:avLst/>
+          </a:prstGeom>
+        </p:spPr>
+        <p:style>
+          <a:lnRef idx="2">
+            <a:schemeClr val="accent1">
+              <a:shade val="50000"/>
+            </a:schemeClr>
+          </a:lnRef>
+          <a:fillRef idx="1">
+            <a:schemeClr val="accent1"/>
+          </a:fillRef>
+          <a:effectRef idx="0">
+            <a:schemeClr val="accent1"/>
+          </a:effectRef>
+          <a:fontRef idx="minor">
+            <a:schemeClr val="lt1"/>
+          </a:fontRef>
+        </p:style>
+        <p:txBody>
+          <a:bodyPr rtlCol="0" anchor="ctr"/>
+          <a:lstStyle/>
+          <a:p>
+            <a:pPr algn="ctr"/>
+            <a:r>
+              <a:rPr lang="en-US" dirty="0"/>
+              <a:t>Jump to the location</a:t>
+            </a:r>
+          </a:p>
+        </p:txBody>
+      </p:sp>
+      <p:sp>
+        <p:nvSpPr>
+          <p:cNvPr id="9" name="Arrow: Down 8"/>
+          <p:cNvSpPr/>
+          <p:nvPr/>
+        </p:nvSpPr>
+        <p:spPr>
+          <a:xfrm>
+            <a:off x="2661920" y="1402080"/>
+            <a:ext cx="833120" cy="487680"/>
+          </a:xfrm>
+          <a:prstGeom prst="downArrow">
             <a:avLst/>
           </a:prstGeom>
         </p:spPr>
@@ -7681,310 +9240,14 @@
       </p:sp>
       <p:sp>
         <p:nvSpPr>
-          <p:cNvPr id="2" name="Arrow: Bent-Up 1"/>
-          <p:cNvSpPr/>
-          <p:nvPr/>
-        </p:nvSpPr>
-        <p:spPr>
-          <a:xfrm>
-            <a:off x="4003329" y="655095"/>
-            <a:ext cx="558800" cy="5361940"/>
-          </a:xfrm>
-          <a:prstGeom prst="bentUpArrow">
-            <a:avLst>
-              <a:gd name="adj1" fmla="val 25000"/>
-              <a:gd name="adj2" fmla="val 12273"/>
-              <a:gd name="adj3" fmla="val 21321"/>
-            </a:avLst>
-          </a:prstGeom>
-        </p:spPr>
-        <p:style>
-          <a:lnRef idx="2">
-            <a:schemeClr val="accent1">
-              <a:shade val="50000"/>
-            </a:schemeClr>
-          </a:lnRef>
-          <a:fillRef idx="1">
-            <a:schemeClr val="accent1"/>
-          </a:fillRef>
-          <a:effectRef idx="0">
-            <a:schemeClr val="accent1"/>
-          </a:effectRef>
-          <a:fontRef idx="minor">
-            <a:schemeClr val="lt1"/>
-          </a:fontRef>
-        </p:style>
-        <p:txBody>
-          <a:bodyPr rtlCol="0" anchor="ctr"/>
-          <a:lstStyle/>
-          <a:p>
-            <a:pPr algn="ctr"/>
-            <a:endParaRPr lang="en-US"/>
-          </a:p>
-        </p:txBody>
-      </p:sp>
-      <p:sp>
-        <p:nvSpPr>
-          <p:cNvPr id="4" name="Oval 3"/>
-          <p:cNvSpPr/>
-          <p:nvPr/>
-        </p:nvSpPr>
-        <p:spPr>
-          <a:xfrm>
-            <a:off x="2044989" y="286795"/>
-            <a:ext cx="2113280" cy="1300480"/>
-          </a:xfrm>
-          <a:prstGeom prst="ellipse">
-            <a:avLst/>
-          </a:prstGeom>
-        </p:spPr>
-        <p:style>
-          <a:lnRef idx="2">
-            <a:schemeClr val="accent1">
-              <a:shade val="50000"/>
-            </a:schemeClr>
-          </a:lnRef>
-          <a:fillRef idx="1">
-            <a:schemeClr val="accent1"/>
-          </a:fillRef>
-          <a:effectRef idx="0">
-            <a:schemeClr val="accent1"/>
-          </a:effectRef>
-          <a:fontRef idx="minor">
-            <a:schemeClr val="lt1"/>
-          </a:fontRef>
-        </p:style>
-        <p:txBody>
-          <a:bodyPr rtlCol="0" anchor="ctr"/>
-          <a:lstStyle/>
-          <a:p>
-            <a:pPr algn="ctr"/>
-            <a:r>
-              <a:rPr lang="en-US" dirty="0"/>
-              <a:t>Print Current Program counter</a:t>
-            </a:r>
-          </a:p>
-        </p:txBody>
-      </p:sp>
-      <p:sp>
-        <p:nvSpPr>
-          <p:cNvPr id="5" name="Oval 4"/>
-          <p:cNvSpPr/>
-          <p:nvPr/>
-        </p:nvSpPr>
-        <p:spPr>
-          <a:xfrm>
-            <a:off x="2089480" y="2074955"/>
-            <a:ext cx="2113280" cy="1300480"/>
-          </a:xfrm>
-          <a:prstGeom prst="ellipse">
-            <a:avLst/>
-          </a:prstGeom>
-        </p:spPr>
-        <p:style>
-          <a:lnRef idx="2">
-            <a:schemeClr val="accent1">
-              <a:shade val="50000"/>
-            </a:schemeClr>
-          </a:lnRef>
-          <a:fillRef idx="1">
-            <a:schemeClr val="accent1"/>
-          </a:fillRef>
-          <a:effectRef idx="0">
-            <a:schemeClr val="accent1"/>
-          </a:effectRef>
-          <a:fontRef idx="minor">
-            <a:schemeClr val="lt1"/>
-          </a:fontRef>
-        </p:style>
-        <p:txBody>
-          <a:bodyPr rtlCol="0" anchor="ctr"/>
-          <a:lstStyle/>
-          <a:p>
-            <a:pPr algn="ctr"/>
-            <a:r>
-              <a:rPr lang="en-US" dirty="0"/>
-              <a:t>Print current status register</a:t>
-            </a:r>
-          </a:p>
-        </p:txBody>
-      </p:sp>
-      <p:sp>
-        <p:nvSpPr>
-          <p:cNvPr id="6" name="Oval 5"/>
-          <p:cNvSpPr/>
-          <p:nvPr/>
-        </p:nvSpPr>
-        <p:spPr>
-          <a:xfrm>
-            <a:off x="2044989" y="3680235"/>
-            <a:ext cx="2113280" cy="1300480"/>
-          </a:xfrm>
-          <a:prstGeom prst="ellipse">
-            <a:avLst/>
-          </a:prstGeom>
-        </p:spPr>
-        <p:style>
-          <a:lnRef idx="2">
-            <a:schemeClr val="accent1">
-              <a:shade val="50000"/>
-            </a:schemeClr>
-          </a:lnRef>
-          <a:fillRef idx="1">
-            <a:schemeClr val="accent1"/>
-          </a:fillRef>
-          <a:effectRef idx="0">
-            <a:schemeClr val="accent1"/>
-          </a:effectRef>
-          <a:fontRef idx="minor">
-            <a:schemeClr val="lt1"/>
-          </a:fontRef>
-        </p:style>
-        <p:txBody>
-          <a:bodyPr rtlCol="0" anchor="ctr"/>
-          <a:lstStyle/>
-          <a:p>
-            <a:pPr algn="ctr"/>
-            <a:r>
-              <a:rPr lang="en-US" dirty="0"/>
-              <a:t>Print SSP</a:t>
-            </a:r>
-          </a:p>
-        </p:txBody>
-      </p:sp>
-      <p:sp>
-        <p:nvSpPr>
-          <p:cNvPr id="7" name="Oval 6"/>
-          <p:cNvSpPr/>
-          <p:nvPr/>
-        </p:nvSpPr>
-        <p:spPr>
-          <a:xfrm>
-            <a:off x="2040028" y="5285515"/>
-            <a:ext cx="2113280" cy="1300480"/>
-          </a:xfrm>
-          <a:prstGeom prst="ellipse">
-            <a:avLst/>
-          </a:prstGeom>
-        </p:spPr>
-        <p:style>
-          <a:lnRef idx="2">
-            <a:schemeClr val="accent1">
-              <a:shade val="50000"/>
-            </a:schemeClr>
-          </a:lnRef>
-          <a:fillRef idx="1">
-            <a:schemeClr val="accent1"/>
-          </a:fillRef>
-          <a:effectRef idx="0">
-            <a:schemeClr val="accent1"/>
-          </a:effectRef>
-          <a:fontRef idx="minor">
-            <a:schemeClr val="lt1"/>
-          </a:fontRef>
-        </p:style>
-        <p:txBody>
-          <a:bodyPr rtlCol="0" anchor="ctr"/>
-          <a:lstStyle/>
-          <a:p>
-            <a:pPr algn="ctr"/>
-            <a:r>
-              <a:rPr lang="en-US" dirty="0"/>
-              <a:t>Print USP</a:t>
-            </a:r>
-          </a:p>
-        </p:txBody>
-      </p:sp>
-      <p:sp>
-        <p:nvSpPr>
-          <p:cNvPr id="9" name="Arrow: Down 8"/>
-          <p:cNvSpPr/>
-          <p:nvPr/>
-        </p:nvSpPr>
-        <p:spPr>
-          <a:xfrm>
-            <a:off x="2784129" y="1587275"/>
-            <a:ext cx="652780" cy="487680"/>
-          </a:xfrm>
-          <a:prstGeom prst="downArrow">
-            <a:avLst/>
-          </a:prstGeom>
-        </p:spPr>
-        <p:style>
-          <a:lnRef idx="2">
-            <a:schemeClr val="accent1">
-              <a:shade val="50000"/>
-            </a:schemeClr>
-          </a:lnRef>
-          <a:fillRef idx="1">
-            <a:schemeClr val="accent1"/>
-          </a:fillRef>
-          <a:effectRef idx="0">
-            <a:schemeClr val="accent1"/>
-          </a:effectRef>
-          <a:fontRef idx="minor">
-            <a:schemeClr val="lt1"/>
-          </a:fontRef>
-        </p:style>
-        <p:txBody>
-          <a:bodyPr rtlCol="0" anchor="ctr"/>
-          <a:lstStyle/>
-          <a:p>
-            <a:pPr algn="ctr"/>
-            <a:endParaRPr lang="en-US"/>
-          </a:p>
-        </p:txBody>
-      </p:sp>
-      <p:sp>
-        <p:nvSpPr>
           <p:cNvPr id="10" name="Arrow: Down 9"/>
           <p:cNvSpPr/>
           <p:nvPr/>
         </p:nvSpPr>
         <p:spPr>
           <a:xfrm>
-            <a:off x="2837469" y="3375435"/>
-            <a:ext cx="546100" cy="304800"/>
-          </a:xfrm>
-          <a:prstGeom prst="downArrow">
-            <a:avLst/>
-          </a:prstGeom>
-        </p:spPr>
-        <p:style>
-          <a:lnRef idx="2">
-            <a:schemeClr val="accent1">
-              <a:shade val="50000"/>
-            </a:schemeClr>
-          </a:lnRef>
-          <a:fillRef idx="1">
-            <a:schemeClr val="accent1"/>
-          </a:fillRef>
-          <a:effectRef idx="0">
-            <a:schemeClr val="accent1"/>
-          </a:effectRef>
-          <a:fontRef idx="minor">
-            <a:schemeClr val="lt1"/>
-          </a:fontRef>
-        </p:style>
-        <p:txBody>
-          <a:bodyPr rtlCol="0" anchor="ctr"/>
-          <a:lstStyle/>
-          <a:p>
-            <a:pPr algn="ctr"/>
-            <a:endParaRPr lang="en-US"/>
-          </a:p>
-        </p:txBody>
-      </p:sp>
-      <p:sp>
-        <p:nvSpPr>
-          <p:cNvPr id="11" name="Arrow: Down 10"/>
-          <p:cNvSpPr/>
-          <p:nvPr/>
-        </p:nvSpPr>
-        <p:spPr>
-          <a:xfrm>
-            <a:off x="2852709" y="4980715"/>
-            <a:ext cx="485140" cy="304800"/>
+            <a:off x="2661920" y="3190240"/>
+            <a:ext cx="833120" cy="304800"/>
           </a:xfrm>
           <a:prstGeom prst="downArrow">
             <a:avLst/>
@@ -8023,8 +9286,8 @@
         </p:nvSpPr>
         <p:spPr>
           <a:xfrm>
-            <a:off x="-1" y="6488668"/>
-            <a:ext cx="1886674" cy="369332"/>
+            <a:off x="-20320" y="6520934"/>
+            <a:ext cx="2042160" cy="369332"/>
           </a:xfrm>
           <a:prstGeom prst="rect">
             <a:avLst/>
@@ -8039,382 +9302,7 @@
           <a:p>
             <a:r>
               <a:rPr lang="en-US" dirty="0"/>
-              <a:t>DF</a:t>
-            </a:r>
-          </a:p>
-        </p:txBody>
-      </p:sp>
-      <p:sp>
-        <p:nvSpPr>
-          <p:cNvPr id="25" name="Arrow: Right 24"/>
-          <p:cNvSpPr/>
-          <p:nvPr/>
-        </p:nvSpPr>
-        <p:spPr>
-          <a:xfrm>
-            <a:off x="4422429" y="535715"/>
-            <a:ext cx="690880" cy="327660"/>
-          </a:xfrm>
-          <a:prstGeom prst="rightArrow">
-            <a:avLst/>
-          </a:prstGeom>
-        </p:spPr>
-        <p:style>
-          <a:lnRef idx="2">
-            <a:schemeClr val="accent1">
-              <a:shade val="50000"/>
-            </a:schemeClr>
-          </a:lnRef>
-          <a:fillRef idx="1">
-            <a:schemeClr val="accent1"/>
-          </a:fillRef>
-          <a:effectRef idx="0">
-            <a:schemeClr val="accent1"/>
-          </a:effectRef>
-          <a:fontRef idx="minor">
-            <a:schemeClr val="lt1"/>
-          </a:fontRef>
-        </p:style>
-        <p:txBody>
-          <a:bodyPr rtlCol="0" anchor="ctr"/>
-          <a:lstStyle/>
-          <a:p>
-            <a:pPr algn="ctr"/>
-            <a:endParaRPr lang="en-US" dirty="0"/>
-          </a:p>
-        </p:txBody>
-      </p:sp>
-      <p:sp>
-        <p:nvSpPr>
-          <p:cNvPr id="36" name="Oval 35"/>
-          <p:cNvSpPr/>
-          <p:nvPr/>
-        </p:nvSpPr>
-        <p:spPr>
-          <a:xfrm>
-            <a:off x="5117635" y="189468"/>
-            <a:ext cx="2113280" cy="1300480"/>
-          </a:xfrm>
-          <a:prstGeom prst="ellipse">
-            <a:avLst/>
-          </a:prstGeom>
-        </p:spPr>
-        <p:style>
-          <a:lnRef idx="2">
-            <a:schemeClr val="accent1">
-              <a:shade val="50000"/>
-            </a:schemeClr>
-          </a:lnRef>
-          <a:fillRef idx="1">
-            <a:schemeClr val="accent1"/>
-          </a:fillRef>
-          <a:effectRef idx="0">
-            <a:schemeClr val="accent1"/>
-          </a:effectRef>
-          <a:fontRef idx="minor">
-            <a:schemeClr val="lt1"/>
-          </a:fontRef>
-        </p:style>
-        <p:txBody>
-          <a:bodyPr rtlCol="0" anchor="ctr"/>
-          <a:lstStyle/>
-          <a:p>
-            <a:pPr algn="ctr"/>
-            <a:r>
-              <a:rPr lang="en-US" dirty="0"/>
-              <a:t>Load Registers from Stack</a:t>
-            </a:r>
-          </a:p>
-        </p:txBody>
-      </p:sp>
-      <p:sp>
-        <p:nvSpPr>
-          <p:cNvPr id="37" name="Oval 36"/>
-          <p:cNvSpPr/>
-          <p:nvPr/>
-        </p:nvSpPr>
-        <p:spPr>
-          <a:xfrm>
-            <a:off x="4769180" y="1977628"/>
-            <a:ext cx="3044784" cy="1300480"/>
-          </a:xfrm>
-          <a:prstGeom prst="ellipse">
-            <a:avLst/>
-          </a:prstGeom>
-        </p:spPr>
-        <p:style>
-          <a:lnRef idx="2">
-            <a:schemeClr val="accent1">
-              <a:shade val="50000"/>
-            </a:schemeClr>
-          </a:lnRef>
-          <a:fillRef idx="1">
-            <a:schemeClr val="accent1"/>
-          </a:fillRef>
-          <a:effectRef idx="0">
-            <a:schemeClr val="accent1"/>
-          </a:effectRef>
-          <a:fontRef idx="minor">
-            <a:schemeClr val="lt1"/>
-          </a:fontRef>
-        </p:style>
-        <p:txBody>
-          <a:bodyPr rtlCol="0" anchor="ctr"/>
-          <a:lstStyle/>
-          <a:p>
-            <a:pPr algn="ctr"/>
-            <a:r>
-              <a:rPr lang="en-US" dirty="0"/>
-              <a:t>Store Registers used for printing in memory</a:t>
-            </a:r>
-          </a:p>
-        </p:txBody>
-      </p:sp>
-      <p:sp>
-        <p:nvSpPr>
-          <p:cNvPr id="38" name="Oval 37"/>
-          <p:cNvSpPr/>
-          <p:nvPr/>
-        </p:nvSpPr>
-        <p:spPr>
-          <a:xfrm>
-            <a:off x="5117635" y="3582908"/>
-            <a:ext cx="2113280" cy="1300480"/>
-          </a:xfrm>
-          <a:prstGeom prst="ellipse">
-            <a:avLst/>
-          </a:prstGeom>
-        </p:spPr>
-        <p:style>
-          <a:lnRef idx="2">
-            <a:schemeClr val="accent1">
-              <a:shade val="50000"/>
-            </a:schemeClr>
-          </a:lnRef>
-          <a:fillRef idx="1">
-            <a:schemeClr val="accent1"/>
-          </a:fillRef>
-          <a:effectRef idx="0">
-            <a:schemeClr val="accent1"/>
-          </a:effectRef>
-          <a:fontRef idx="minor">
-            <a:schemeClr val="lt1"/>
-          </a:fontRef>
-        </p:style>
-        <p:txBody>
-          <a:bodyPr rtlCol="0" anchor="ctr"/>
-          <a:lstStyle/>
-          <a:p>
-            <a:pPr algn="ctr"/>
-            <a:r>
-              <a:rPr lang="en-US" dirty="0"/>
-              <a:t>Print D0 through D7</a:t>
-            </a:r>
-          </a:p>
-        </p:txBody>
-      </p:sp>
-      <p:sp>
-        <p:nvSpPr>
-          <p:cNvPr id="39" name="Oval 38"/>
-          <p:cNvSpPr/>
-          <p:nvPr/>
-        </p:nvSpPr>
-        <p:spPr>
-          <a:xfrm>
-            <a:off x="5112674" y="5188188"/>
-            <a:ext cx="2113280" cy="1300480"/>
-          </a:xfrm>
-          <a:prstGeom prst="ellipse">
-            <a:avLst/>
-          </a:prstGeom>
-        </p:spPr>
-        <p:style>
-          <a:lnRef idx="2">
-            <a:schemeClr val="accent1">
-              <a:shade val="50000"/>
-            </a:schemeClr>
-          </a:lnRef>
-          <a:fillRef idx="1">
-            <a:schemeClr val="accent1"/>
-          </a:fillRef>
-          <a:effectRef idx="0">
-            <a:schemeClr val="accent1"/>
-          </a:effectRef>
-          <a:fontRef idx="minor">
-            <a:schemeClr val="lt1"/>
-          </a:fontRef>
-        </p:style>
-        <p:txBody>
-          <a:bodyPr rtlCol="0" anchor="ctr"/>
-          <a:lstStyle/>
-          <a:p>
-            <a:pPr algn="ctr"/>
-            <a:r>
-              <a:rPr lang="en-US" dirty="0"/>
-              <a:t>Print A0 through A6</a:t>
-            </a:r>
-          </a:p>
-        </p:txBody>
-      </p:sp>
-      <p:sp>
-        <p:nvSpPr>
-          <p:cNvPr id="40" name="Arrow: Down 39"/>
-          <p:cNvSpPr/>
-          <p:nvPr/>
-        </p:nvSpPr>
-        <p:spPr>
-          <a:xfrm>
-            <a:off x="5856775" y="1489948"/>
-            <a:ext cx="652780" cy="487680"/>
-          </a:xfrm>
-          <a:prstGeom prst="downArrow">
-            <a:avLst/>
-          </a:prstGeom>
-        </p:spPr>
-        <p:style>
-          <a:lnRef idx="2">
-            <a:schemeClr val="accent1">
-              <a:shade val="50000"/>
-            </a:schemeClr>
-          </a:lnRef>
-          <a:fillRef idx="1">
-            <a:schemeClr val="accent1"/>
-          </a:fillRef>
-          <a:effectRef idx="0">
-            <a:schemeClr val="accent1"/>
-          </a:effectRef>
-          <a:fontRef idx="minor">
-            <a:schemeClr val="lt1"/>
-          </a:fontRef>
-        </p:style>
-        <p:txBody>
-          <a:bodyPr rtlCol="0" anchor="ctr"/>
-          <a:lstStyle/>
-          <a:p>
-            <a:pPr algn="ctr"/>
-            <a:endParaRPr lang="en-US"/>
-          </a:p>
-        </p:txBody>
-      </p:sp>
-      <p:sp>
-        <p:nvSpPr>
-          <p:cNvPr id="41" name="Arrow: Down 40"/>
-          <p:cNvSpPr/>
-          <p:nvPr/>
-        </p:nvSpPr>
-        <p:spPr>
-          <a:xfrm>
-            <a:off x="5910115" y="3278108"/>
-            <a:ext cx="546100" cy="304800"/>
-          </a:xfrm>
-          <a:prstGeom prst="downArrow">
-            <a:avLst/>
-          </a:prstGeom>
-        </p:spPr>
-        <p:style>
-          <a:lnRef idx="2">
-            <a:schemeClr val="accent1">
-              <a:shade val="50000"/>
-            </a:schemeClr>
-          </a:lnRef>
-          <a:fillRef idx="1">
-            <a:schemeClr val="accent1"/>
-          </a:fillRef>
-          <a:effectRef idx="0">
-            <a:schemeClr val="accent1"/>
-          </a:effectRef>
-          <a:fontRef idx="minor">
-            <a:schemeClr val="lt1"/>
-          </a:fontRef>
-        </p:style>
-        <p:txBody>
-          <a:bodyPr rtlCol="0" anchor="ctr"/>
-          <a:lstStyle/>
-          <a:p>
-            <a:pPr algn="ctr"/>
-            <a:endParaRPr lang="en-US"/>
-          </a:p>
-        </p:txBody>
-      </p:sp>
-      <p:sp>
-        <p:nvSpPr>
-          <p:cNvPr id="42" name="Arrow: Down 41"/>
-          <p:cNvSpPr/>
-          <p:nvPr/>
-        </p:nvSpPr>
-        <p:spPr>
-          <a:xfrm>
-            <a:off x="5925355" y="4883388"/>
-            <a:ext cx="485140" cy="304800"/>
-          </a:xfrm>
-          <a:prstGeom prst="downArrow">
-            <a:avLst/>
-          </a:prstGeom>
-        </p:spPr>
-        <p:style>
-          <a:lnRef idx="2">
-            <a:schemeClr val="accent1">
-              <a:shade val="50000"/>
-            </a:schemeClr>
-          </a:lnRef>
-          <a:fillRef idx="1">
-            <a:schemeClr val="accent1"/>
-          </a:fillRef>
-          <a:effectRef idx="0">
-            <a:schemeClr val="accent1"/>
-          </a:effectRef>
-          <a:fontRef idx="minor">
-            <a:schemeClr val="lt1"/>
-          </a:fontRef>
-        </p:style>
-        <p:txBody>
-          <a:bodyPr rtlCol="0" anchor="ctr"/>
-          <a:lstStyle/>
-          <a:p>
-            <a:pPr algn="ctr"/>
-            <a:endParaRPr lang="en-US"/>
-          </a:p>
-        </p:txBody>
-      </p:sp>
-      <p:sp>
-        <p:nvSpPr>
-          <p:cNvPr id="43" name="Oval 42"/>
-          <p:cNvSpPr/>
-          <p:nvPr/>
-        </p:nvSpPr>
-        <p:spPr>
-          <a:xfrm>
-            <a:off x="8185319" y="5133115"/>
-            <a:ext cx="2551953" cy="1398733"/>
-          </a:xfrm>
-          <a:prstGeom prst="ellipse">
-            <a:avLst/>
-          </a:prstGeom>
-        </p:spPr>
-        <p:style>
-          <a:lnRef idx="2">
-            <a:schemeClr val="accent1">
-              <a:shade val="50000"/>
-            </a:schemeClr>
-          </a:lnRef>
-          <a:fillRef idx="1">
-            <a:schemeClr val="accent1"/>
-          </a:fillRef>
-          <a:effectRef idx="0">
-            <a:schemeClr val="accent1"/>
-          </a:effectRef>
-          <a:fontRef idx="minor">
-            <a:schemeClr val="lt1"/>
-          </a:fontRef>
-        </p:style>
-        <p:txBody>
-          <a:bodyPr rtlCol="0" anchor="ctr"/>
-          <a:lstStyle/>
-          <a:p>
-            <a:pPr algn="ctr"/>
-            <a:r>
-              <a:rPr lang="en-US" dirty="0"/>
-              <a:t>Restore Registers and Go back to command interpreter</a:t>
+              <a:t>Go</a:t>
             </a:r>
           </a:p>
         </p:txBody>
@@ -8422,7 +9310,7 @@
     </p:spTree>
     <p:extLst>
       <p:ext uri="{BB962C8B-B14F-4D97-AF65-F5344CB8AC3E}">
-        <p14:creationId xmlns:p14="http://schemas.microsoft.com/office/powerpoint/2010/main" val="1620640926"/>
+        <p14:creationId xmlns:p14="http://schemas.microsoft.com/office/powerpoint/2010/main" val="1822900062"/>
       </p:ext>
     </p:extLst>
   </p:cSld>
@@ -8451,49 +9339,37 @@
       </p:grpSpPr>
       <p:sp>
         <p:nvSpPr>
-          <p:cNvPr id="2" name="Title 1"/>
-          <p:cNvSpPr>
-            <a:spLocks noGrp="1"/>
-          </p:cNvSpPr>
-          <p:nvPr>
-            <p:ph type="ctrTitle"/>
-          </p:nvPr>
-        </p:nvSpPr>
-        <p:spPr/>
-        <p:txBody>
-          <a:bodyPr/>
-          <a:lstStyle/>
-          <a:p>
-            <a:r>
-              <a:rPr lang="en-US" dirty="0"/>
-              <a:t>Exception Handlers</a:t>
-            </a:r>
-          </a:p>
-        </p:txBody>
-      </p:sp>
-      <p:sp>
-        <p:nvSpPr>
-          <p:cNvPr id="3" name="Subtitle 2"/>
-          <p:cNvSpPr>
-            <a:spLocks noGrp="1"/>
-          </p:cNvSpPr>
-          <p:nvPr>
-            <p:ph type="subTitle" idx="1"/>
-          </p:nvPr>
-        </p:nvSpPr>
-        <p:spPr/>
-        <p:txBody>
-          <a:bodyPr/>
-          <a:lstStyle/>
-          <a:p>
-            <a:endParaRPr lang="en-US"/>
+          <p:cNvPr id="12" name="TextBox 11"/>
+          <p:cNvSpPr txBox="1"/>
+          <p:nvPr/>
+        </p:nvSpPr>
+        <p:spPr>
+          <a:xfrm>
+            <a:off x="-20320" y="6520934"/>
+            <a:ext cx="2042160" cy="369332"/>
+          </a:xfrm>
+          <a:prstGeom prst="rect">
+            <a:avLst/>
+          </a:prstGeom>
+          <a:noFill/>
+        </p:spPr>
+        <p:txBody>
+          <a:bodyPr wrap="square" rtlCol="0">
+            <a:spAutoFit/>
+          </a:bodyPr>
+          <a:lstStyle/>
+          <a:p>
+            <a:r>
+              <a:rPr lang="en-US" dirty="0"/>
+              <a:t>Exit</a:t>
+            </a:r>
           </a:p>
         </p:txBody>
       </p:sp>
     </p:spTree>
     <p:extLst>
       <p:ext uri="{BB962C8B-B14F-4D97-AF65-F5344CB8AC3E}">
-        <p14:creationId xmlns:p14="http://schemas.microsoft.com/office/powerpoint/2010/main" val="765580700"/>
+        <p14:creationId xmlns:p14="http://schemas.microsoft.com/office/powerpoint/2010/main" val="3842797992"/>
       </p:ext>
     </p:extLst>
   </p:cSld>
@@ -10016,780 +10892,41 @@
       </p:grpSpPr>
       <p:sp>
         <p:nvSpPr>
-          <p:cNvPr id="8" name="Arrow: Right 7"/>
-          <p:cNvSpPr/>
-          <p:nvPr/>
-        </p:nvSpPr>
-        <p:spPr>
-          <a:xfrm>
-            <a:off x="7059698" y="5547482"/>
-            <a:ext cx="1125621" cy="590082"/>
-          </a:xfrm>
-          <a:prstGeom prst="rightArrow">
-            <a:avLst/>
-          </a:prstGeom>
-        </p:spPr>
-        <p:style>
-          <a:lnRef idx="2">
-            <a:schemeClr val="accent1">
-              <a:shade val="50000"/>
-            </a:schemeClr>
-          </a:lnRef>
-          <a:fillRef idx="1">
-            <a:schemeClr val="accent1"/>
-          </a:fillRef>
-          <a:effectRef idx="0">
-            <a:schemeClr val="accent1"/>
-          </a:effectRef>
-          <a:fontRef idx="minor">
-            <a:schemeClr val="lt1"/>
-          </a:fontRef>
-        </p:style>
-        <p:txBody>
-          <a:bodyPr rtlCol="0" anchor="ctr"/>
-          <a:lstStyle/>
-          <a:p>
-            <a:pPr algn="ctr"/>
-            <a:endParaRPr lang="en-US"/>
-          </a:p>
-        </p:txBody>
-      </p:sp>
-      <p:sp>
-        <p:nvSpPr>
-          <p:cNvPr id="2" name="Arrow: Bent-Up 1"/>
-          <p:cNvSpPr/>
-          <p:nvPr/>
-        </p:nvSpPr>
-        <p:spPr>
-          <a:xfrm>
-            <a:off x="4003329" y="655095"/>
-            <a:ext cx="558800" cy="5361940"/>
-          </a:xfrm>
-          <a:prstGeom prst="bentUpArrow">
-            <a:avLst>
-              <a:gd name="adj1" fmla="val 25000"/>
-              <a:gd name="adj2" fmla="val 12273"/>
-              <a:gd name="adj3" fmla="val 21321"/>
-            </a:avLst>
-          </a:prstGeom>
-        </p:spPr>
-        <p:style>
-          <a:lnRef idx="2">
-            <a:schemeClr val="accent1">
-              <a:shade val="50000"/>
-            </a:schemeClr>
-          </a:lnRef>
-          <a:fillRef idx="1">
-            <a:schemeClr val="accent1"/>
-          </a:fillRef>
-          <a:effectRef idx="0">
-            <a:schemeClr val="accent1"/>
-          </a:effectRef>
-          <a:fontRef idx="minor">
-            <a:schemeClr val="lt1"/>
-          </a:fontRef>
-        </p:style>
-        <p:txBody>
-          <a:bodyPr rtlCol="0" anchor="ctr"/>
-          <a:lstStyle/>
-          <a:p>
-            <a:pPr algn="ctr"/>
-            <a:endParaRPr lang="en-US"/>
-          </a:p>
-        </p:txBody>
-      </p:sp>
-      <p:sp>
-        <p:nvSpPr>
-          <p:cNvPr id="4" name="Oval 3"/>
-          <p:cNvSpPr/>
-          <p:nvPr/>
-        </p:nvSpPr>
-        <p:spPr>
-          <a:xfrm>
-            <a:off x="2044989" y="286795"/>
-            <a:ext cx="2113280" cy="1300480"/>
-          </a:xfrm>
-          <a:prstGeom prst="ellipse">
-            <a:avLst/>
-          </a:prstGeom>
-        </p:spPr>
-        <p:style>
-          <a:lnRef idx="2">
-            <a:schemeClr val="accent1">
-              <a:shade val="50000"/>
-            </a:schemeClr>
-          </a:lnRef>
-          <a:fillRef idx="1">
-            <a:schemeClr val="accent1"/>
-          </a:fillRef>
-          <a:effectRef idx="0">
-            <a:schemeClr val="accent1"/>
-          </a:effectRef>
-          <a:fontRef idx="minor">
-            <a:schemeClr val="lt1"/>
-          </a:fontRef>
-        </p:style>
-        <p:txBody>
-          <a:bodyPr rtlCol="0" anchor="ctr"/>
-          <a:lstStyle/>
-          <a:p>
-            <a:pPr algn="ctr"/>
-            <a:r>
-              <a:rPr lang="en-US" dirty="0"/>
-              <a:t>Print Bus Error Text </a:t>
-            </a:r>
-          </a:p>
-        </p:txBody>
-      </p:sp>
-      <p:sp>
-        <p:nvSpPr>
-          <p:cNvPr id="5" name="Oval 4"/>
-          <p:cNvSpPr/>
-          <p:nvPr/>
-        </p:nvSpPr>
-        <p:spPr>
-          <a:xfrm>
-            <a:off x="1805941" y="2074955"/>
-            <a:ext cx="2578676" cy="1300480"/>
-          </a:xfrm>
-          <a:prstGeom prst="ellipse">
-            <a:avLst/>
-          </a:prstGeom>
-        </p:spPr>
-        <p:style>
-          <a:lnRef idx="2">
-            <a:schemeClr val="accent1">
-              <a:shade val="50000"/>
-            </a:schemeClr>
-          </a:lnRef>
-          <a:fillRef idx="1">
-            <a:schemeClr val="accent1"/>
-          </a:fillRef>
-          <a:effectRef idx="0">
-            <a:schemeClr val="accent1"/>
-          </a:effectRef>
-          <a:fontRef idx="minor">
-            <a:schemeClr val="lt1"/>
-          </a:fontRef>
-        </p:style>
-        <p:txBody>
-          <a:bodyPr rtlCol="0" anchor="ctr"/>
-          <a:lstStyle/>
-          <a:p>
-            <a:pPr algn="ctr"/>
-            <a:r>
-              <a:rPr lang="en-US" dirty="0"/>
-              <a:t>Get Bus Address from Stack adding 18</a:t>
-            </a:r>
-          </a:p>
-        </p:txBody>
-      </p:sp>
-      <p:sp>
-        <p:nvSpPr>
-          <p:cNvPr id="6" name="Oval 5"/>
-          <p:cNvSpPr/>
-          <p:nvPr/>
-        </p:nvSpPr>
-        <p:spPr>
-          <a:xfrm>
-            <a:off x="1886673" y="3680235"/>
-            <a:ext cx="2535756" cy="1300480"/>
-          </a:xfrm>
-          <a:prstGeom prst="ellipse">
-            <a:avLst/>
-          </a:prstGeom>
-        </p:spPr>
-        <p:style>
-          <a:lnRef idx="2">
-            <a:schemeClr val="accent1">
-              <a:shade val="50000"/>
-            </a:schemeClr>
-          </a:lnRef>
-          <a:fillRef idx="1">
-            <a:schemeClr val="accent1"/>
-          </a:fillRef>
-          <a:effectRef idx="0">
-            <a:schemeClr val="accent1"/>
-          </a:effectRef>
-          <a:fontRef idx="minor">
-            <a:schemeClr val="lt1"/>
-          </a:fontRef>
-        </p:style>
-        <p:txBody>
-          <a:bodyPr rtlCol="0" anchor="ctr"/>
-          <a:lstStyle/>
-          <a:p>
-            <a:pPr algn="ctr"/>
-            <a:r>
-              <a:rPr lang="en-US" dirty="0"/>
-              <a:t>Print BA  label and the BA from prev. step</a:t>
-            </a:r>
-          </a:p>
-        </p:txBody>
-      </p:sp>
-      <p:sp>
-        <p:nvSpPr>
-          <p:cNvPr id="7" name="Oval 6"/>
-          <p:cNvSpPr/>
-          <p:nvPr/>
-        </p:nvSpPr>
-        <p:spPr>
-          <a:xfrm>
-            <a:off x="2040028" y="5285515"/>
-            <a:ext cx="2113280" cy="1300480"/>
-          </a:xfrm>
-          <a:prstGeom prst="ellipse">
-            <a:avLst/>
-          </a:prstGeom>
-        </p:spPr>
-        <p:style>
-          <a:lnRef idx="2">
-            <a:schemeClr val="accent1">
-              <a:shade val="50000"/>
-            </a:schemeClr>
-          </a:lnRef>
-          <a:fillRef idx="1">
-            <a:schemeClr val="accent1"/>
-          </a:fillRef>
-          <a:effectRef idx="0">
-            <a:schemeClr val="accent1"/>
-          </a:effectRef>
-          <a:fontRef idx="minor">
-            <a:schemeClr val="lt1"/>
-          </a:fontRef>
-        </p:style>
-        <p:txBody>
-          <a:bodyPr rtlCol="0" anchor="ctr"/>
-          <a:lstStyle/>
-          <a:p>
-            <a:pPr algn="ctr"/>
-            <a:r>
-              <a:rPr lang="en-US" dirty="0"/>
-              <a:t>Get IR From Stack by adding 22</a:t>
-            </a:r>
-          </a:p>
-        </p:txBody>
-      </p:sp>
-      <p:sp>
-        <p:nvSpPr>
-          <p:cNvPr id="9" name="Arrow: Down 8"/>
-          <p:cNvSpPr/>
-          <p:nvPr/>
-        </p:nvSpPr>
-        <p:spPr>
-          <a:xfrm>
-            <a:off x="2784129" y="1587275"/>
-            <a:ext cx="652780" cy="487680"/>
-          </a:xfrm>
-          <a:prstGeom prst="downArrow">
-            <a:avLst/>
-          </a:prstGeom>
-        </p:spPr>
-        <p:style>
-          <a:lnRef idx="2">
-            <a:schemeClr val="accent1">
-              <a:shade val="50000"/>
-            </a:schemeClr>
-          </a:lnRef>
-          <a:fillRef idx="1">
-            <a:schemeClr val="accent1"/>
-          </a:fillRef>
-          <a:effectRef idx="0">
-            <a:schemeClr val="accent1"/>
-          </a:effectRef>
-          <a:fontRef idx="minor">
-            <a:schemeClr val="lt1"/>
-          </a:fontRef>
-        </p:style>
-        <p:txBody>
-          <a:bodyPr rtlCol="0" anchor="ctr"/>
-          <a:lstStyle/>
-          <a:p>
-            <a:pPr algn="ctr"/>
-            <a:endParaRPr lang="en-US"/>
-          </a:p>
-        </p:txBody>
-      </p:sp>
-      <p:sp>
-        <p:nvSpPr>
-          <p:cNvPr id="10" name="Arrow: Down 9"/>
-          <p:cNvSpPr/>
-          <p:nvPr/>
-        </p:nvSpPr>
-        <p:spPr>
-          <a:xfrm>
-            <a:off x="2837469" y="3375435"/>
-            <a:ext cx="546100" cy="304800"/>
-          </a:xfrm>
-          <a:prstGeom prst="downArrow">
-            <a:avLst/>
-          </a:prstGeom>
-        </p:spPr>
-        <p:style>
-          <a:lnRef idx="2">
-            <a:schemeClr val="accent1">
-              <a:shade val="50000"/>
-            </a:schemeClr>
-          </a:lnRef>
-          <a:fillRef idx="1">
-            <a:schemeClr val="accent1"/>
-          </a:fillRef>
-          <a:effectRef idx="0">
-            <a:schemeClr val="accent1"/>
-          </a:effectRef>
-          <a:fontRef idx="minor">
-            <a:schemeClr val="lt1"/>
-          </a:fontRef>
-        </p:style>
-        <p:txBody>
-          <a:bodyPr rtlCol="0" anchor="ctr"/>
-          <a:lstStyle/>
-          <a:p>
-            <a:pPr algn="ctr"/>
-            <a:endParaRPr lang="en-US"/>
-          </a:p>
-        </p:txBody>
-      </p:sp>
-      <p:sp>
-        <p:nvSpPr>
-          <p:cNvPr id="11" name="Arrow: Down 10"/>
-          <p:cNvSpPr/>
-          <p:nvPr/>
-        </p:nvSpPr>
-        <p:spPr>
-          <a:xfrm>
-            <a:off x="2852709" y="4980715"/>
-            <a:ext cx="485140" cy="304800"/>
-          </a:xfrm>
-          <a:prstGeom prst="downArrow">
-            <a:avLst/>
-          </a:prstGeom>
-        </p:spPr>
-        <p:style>
-          <a:lnRef idx="2">
-            <a:schemeClr val="accent1">
-              <a:shade val="50000"/>
-            </a:schemeClr>
-          </a:lnRef>
-          <a:fillRef idx="1">
-            <a:schemeClr val="accent1"/>
-          </a:fillRef>
-          <a:effectRef idx="0">
-            <a:schemeClr val="accent1"/>
-          </a:effectRef>
-          <a:fontRef idx="minor">
-            <a:schemeClr val="lt1"/>
-          </a:fontRef>
-        </p:style>
-        <p:txBody>
-          <a:bodyPr rtlCol="0" anchor="ctr"/>
-          <a:lstStyle/>
-          <a:p>
-            <a:pPr algn="ctr"/>
-            <a:endParaRPr lang="en-US"/>
-          </a:p>
-        </p:txBody>
-      </p:sp>
-      <p:sp>
-        <p:nvSpPr>
-          <p:cNvPr id="12" name="TextBox 11"/>
-          <p:cNvSpPr txBox="1"/>
-          <p:nvPr/>
-        </p:nvSpPr>
-        <p:spPr>
-          <a:xfrm>
-            <a:off x="-1" y="6488668"/>
-            <a:ext cx="1886674" cy="369332"/>
-          </a:xfrm>
-          <a:prstGeom prst="rect">
-            <a:avLst/>
-          </a:prstGeom>
-          <a:noFill/>
-        </p:spPr>
-        <p:txBody>
-          <a:bodyPr wrap="square" rtlCol="0">
-            <a:spAutoFit/>
-          </a:bodyPr>
-          <a:lstStyle/>
-          <a:p>
-            <a:r>
-              <a:rPr lang="en-US" dirty="0"/>
-              <a:t>Bus Error </a:t>
-            </a:r>
-          </a:p>
-        </p:txBody>
-      </p:sp>
-      <p:sp>
-        <p:nvSpPr>
-          <p:cNvPr id="25" name="Arrow: Right 24"/>
-          <p:cNvSpPr/>
-          <p:nvPr/>
-        </p:nvSpPr>
-        <p:spPr>
-          <a:xfrm>
-            <a:off x="4422429" y="535715"/>
-            <a:ext cx="690880" cy="327660"/>
-          </a:xfrm>
-          <a:prstGeom prst="rightArrow">
-            <a:avLst/>
-          </a:prstGeom>
-        </p:spPr>
-        <p:style>
-          <a:lnRef idx="2">
-            <a:schemeClr val="accent1">
-              <a:shade val="50000"/>
-            </a:schemeClr>
-          </a:lnRef>
-          <a:fillRef idx="1">
-            <a:schemeClr val="accent1"/>
-          </a:fillRef>
-          <a:effectRef idx="0">
-            <a:schemeClr val="accent1"/>
-          </a:effectRef>
-          <a:fontRef idx="minor">
-            <a:schemeClr val="lt1"/>
-          </a:fontRef>
-        </p:style>
-        <p:txBody>
-          <a:bodyPr rtlCol="0" anchor="ctr"/>
-          <a:lstStyle/>
-          <a:p>
-            <a:pPr algn="ctr"/>
-            <a:endParaRPr lang="en-US" dirty="0"/>
-          </a:p>
-        </p:txBody>
-      </p:sp>
-      <p:sp>
-        <p:nvSpPr>
-          <p:cNvPr id="39" name="Oval 38"/>
-          <p:cNvSpPr/>
-          <p:nvPr/>
-        </p:nvSpPr>
-        <p:spPr>
-          <a:xfrm>
-            <a:off x="5112674" y="5188188"/>
-            <a:ext cx="2113280" cy="1300480"/>
-          </a:xfrm>
-          <a:prstGeom prst="ellipse">
-            <a:avLst/>
-          </a:prstGeom>
-        </p:spPr>
-        <p:style>
-          <a:lnRef idx="2">
-            <a:schemeClr val="accent1">
-              <a:shade val="50000"/>
-            </a:schemeClr>
-          </a:lnRef>
-          <a:fillRef idx="1">
-            <a:schemeClr val="accent1"/>
-          </a:fillRef>
-          <a:effectRef idx="0">
-            <a:schemeClr val="accent1"/>
-          </a:effectRef>
-          <a:fontRef idx="minor">
-            <a:schemeClr val="lt1"/>
-          </a:fontRef>
-        </p:style>
-        <p:txBody>
-          <a:bodyPr rtlCol="0" anchor="ctr"/>
-          <a:lstStyle/>
-          <a:p>
-            <a:pPr algn="ctr"/>
-            <a:r>
-              <a:rPr lang="en-US" dirty="0"/>
-              <a:t>Restore Registers</a:t>
-            </a:r>
-          </a:p>
-        </p:txBody>
-      </p:sp>
-      <p:sp>
-        <p:nvSpPr>
-          <p:cNvPr id="40" name="Arrow: Down 39"/>
-          <p:cNvSpPr/>
-          <p:nvPr/>
-        </p:nvSpPr>
-        <p:spPr>
-          <a:xfrm>
-            <a:off x="5856775" y="1489948"/>
-            <a:ext cx="652780" cy="487680"/>
-          </a:xfrm>
-          <a:prstGeom prst="downArrow">
-            <a:avLst/>
-          </a:prstGeom>
-        </p:spPr>
-        <p:style>
-          <a:lnRef idx="2">
-            <a:schemeClr val="accent1">
-              <a:shade val="50000"/>
-            </a:schemeClr>
-          </a:lnRef>
-          <a:fillRef idx="1">
-            <a:schemeClr val="accent1"/>
-          </a:fillRef>
-          <a:effectRef idx="0">
-            <a:schemeClr val="accent1"/>
-          </a:effectRef>
-          <a:fontRef idx="minor">
-            <a:schemeClr val="lt1"/>
-          </a:fontRef>
-        </p:style>
-        <p:txBody>
-          <a:bodyPr rtlCol="0" anchor="ctr"/>
-          <a:lstStyle/>
-          <a:p>
-            <a:pPr algn="ctr"/>
-            <a:endParaRPr lang="en-US"/>
-          </a:p>
-        </p:txBody>
-      </p:sp>
-      <p:sp>
-        <p:nvSpPr>
-          <p:cNvPr id="43" name="Oval 42"/>
-          <p:cNvSpPr/>
-          <p:nvPr/>
-        </p:nvSpPr>
-        <p:spPr>
-          <a:xfrm>
-            <a:off x="8185319" y="5133115"/>
-            <a:ext cx="2551953" cy="1398733"/>
-          </a:xfrm>
-          <a:prstGeom prst="ellipse">
-            <a:avLst/>
-          </a:prstGeom>
-        </p:spPr>
-        <p:style>
-          <a:lnRef idx="2">
-            <a:schemeClr val="accent1">
-              <a:shade val="50000"/>
-            </a:schemeClr>
-          </a:lnRef>
-          <a:fillRef idx="1">
-            <a:schemeClr val="accent1"/>
-          </a:fillRef>
-          <a:effectRef idx="0">
-            <a:schemeClr val="accent1"/>
-          </a:effectRef>
-          <a:fontRef idx="minor">
-            <a:schemeClr val="lt1"/>
-          </a:fontRef>
-        </p:style>
-        <p:txBody>
-          <a:bodyPr rtlCol="0" anchor="ctr"/>
-          <a:lstStyle/>
-          <a:p>
-            <a:pPr algn="ctr"/>
-            <a:r>
-              <a:rPr lang="en-US" dirty="0"/>
-              <a:t>Go to DF and print registers there</a:t>
-            </a:r>
-          </a:p>
-        </p:txBody>
-      </p:sp>
-      <p:sp>
-        <p:nvSpPr>
-          <p:cNvPr id="22" name="Oval 21"/>
-          <p:cNvSpPr/>
-          <p:nvPr/>
-        </p:nvSpPr>
-        <p:spPr>
-          <a:xfrm>
-            <a:off x="5112674" y="175614"/>
-            <a:ext cx="2535756" cy="1300480"/>
-          </a:xfrm>
-          <a:prstGeom prst="ellipse">
-            <a:avLst/>
-          </a:prstGeom>
-        </p:spPr>
-        <p:style>
-          <a:lnRef idx="2">
-            <a:schemeClr val="accent1">
-              <a:shade val="50000"/>
-            </a:schemeClr>
-          </a:lnRef>
-          <a:fillRef idx="1">
-            <a:schemeClr val="accent1"/>
-          </a:fillRef>
-          <a:effectRef idx="0">
-            <a:schemeClr val="accent1"/>
-          </a:effectRef>
-          <a:fontRef idx="minor">
-            <a:schemeClr val="lt1"/>
-          </a:fontRef>
-        </p:style>
-        <p:txBody>
-          <a:bodyPr rtlCol="0" anchor="ctr"/>
-          <a:lstStyle/>
-          <a:p>
-            <a:pPr algn="ctr"/>
-            <a:r>
-              <a:rPr lang="en-US" dirty="0"/>
-              <a:t>Print IR  label and the IR from prev. step</a:t>
-            </a:r>
-          </a:p>
-        </p:txBody>
-      </p:sp>
-      <p:sp>
-        <p:nvSpPr>
-          <p:cNvPr id="23" name="Oval 22"/>
-          <p:cNvSpPr/>
-          <p:nvPr/>
-        </p:nvSpPr>
-        <p:spPr>
-          <a:xfrm>
-            <a:off x="4916521" y="1982256"/>
-            <a:ext cx="2578676" cy="1300480"/>
-          </a:xfrm>
-          <a:prstGeom prst="ellipse">
-            <a:avLst/>
-          </a:prstGeom>
-        </p:spPr>
-        <p:style>
-          <a:lnRef idx="2">
-            <a:schemeClr val="accent1">
-              <a:shade val="50000"/>
-            </a:schemeClr>
-          </a:lnRef>
-          <a:fillRef idx="1">
-            <a:schemeClr val="accent1"/>
-          </a:fillRef>
-          <a:effectRef idx="0">
-            <a:schemeClr val="accent1"/>
-          </a:effectRef>
-          <a:fontRef idx="minor">
-            <a:schemeClr val="lt1"/>
-          </a:fontRef>
-        </p:style>
-        <p:txBody>
-          <a:bodyPr rtlCol="0" anchor="ctr"/>
-          <a:lstStyle/>
-          <a:p>
-            <a:pPr algn="ctr"/>
-            <a:r>
-              <a:rPr lang="en-US" dirty="0"/>
-              <a:t>Get SSW from Stack adding 16</a:t>
-            </a:r>
-          </a:p>
-        </p:txBody>
-      </p:sp>
-      <p:sp>
-        <p:nvSpPr>
-          <p:cNvPr id="24" name="Oval 23"/>
-          <p:cNvSpPr/>
-          <p:nvPr/>
-        </p:nvSpPr>
-        <p:spPr>
-          <a:xfrm>
-            <a:off x="4997253" y="3587536"/>
-            <a:ext cx="2535756" cy="1300480"/>
-          </a:xfrm>
-          <a:prstGeom prst="ellipse">
-            <a:avLst/>
-          </a:prstGeom>
-        </p:spPr>
-        <p:style>
-          <a:lnRef idx="2">
-            <a:schemeClr val="accent1">
-              <a:shade val="50000"/>
-            </a:schemeClr>
-          </a:lnRef>
-          <a:fillRef idx="1">
-            <a:schemeClr val="accent1"/>
-          </a:fillRef>
-          <a:effectRef idx="0">
-            <a:schemeClr val="accent1"/>
-          </a:effectRef>
-          <a:fontRef idx="minor">
-            <a:schemeClr val="lt1"/>
-          </a:fontRef>
-        </p:style>
-        <p:txBody>
-          <a:bodyPr rtlCol="0" anchor="ctr"/>
-          <a:lstStyle/>
-          <a:p>
-            <a:pPr algn="ctr"/>
-            <a:r>
-              <a:rPr lang="en-US" dirty="0"/>
-              <a:t>Print IR  label and the IR from prev. step</a:t>
-            </a:r>
-          </a:p>
-        </p:txBody>
-      </p:sp>
-      <p:sp>
-        <p:nvSpPr>
-          <p:cNvPr id="26" name="Arrow: Down 25"/>
-          <p:cNvSpPr/>
-          <p:nvPr/>
-        </p:nvSpPr>
-        <p:spPr>
-          <a:xfrm>
-            <a:off x="5948049" y="3282736"/>
-            <a:ext cx="546100" cy="304800"/>
-          </a:xfrm>
-          <a:prstGeom prst="downArrow">
-            <a:avLst/>
-          </a:prstGeom>
-        </p:spPr>
-        <p:style>
-          <a:lnRef idx="2">
-            <a:schemeClr val="accent1">
-              <a:shade val="50000"/>
-            </a:schemeClr>
-          </a:lnRef>
-          <a:fillRef idx="1">
-            <a:schemeClr val="accent1"/>
-          </a:fillRef>
-          <a:effectRef idx="0">
-            <a:schemeClr val="accent1"/>
-          </a:effectRef>
-          <a:fontRef idx="minor">
-            <a:schemeClr val="lt1"/>
-          </a:fontRef>
-        </p:style>
-        <p:txBody>
-          <a:bodyPr rtlCol="0" anchor="ctr"/>
-          <a:lstStyle/>
-          <a:p>
-            <a:pPr algn="ctr"/>
-            <a:endParaRPr lang="en-US"/>
-          </a:p>
-        </p:txBody>
-      </p:sp>
-      <p:sp>
-        <p:nvSpPr>
-          <p:cNvPr id="27" name="Arrow: Down 26"/>
-          <p:cNvSpPr/>
-          <p:nvPr/>
-        </p:nvSpPr>
-        <p:spPr>
-          <a:xfrm>
-            <a:off x="5963289" y="4888016"/>
-            <a:ext cx="485140" cy="304800"/>
-          </a:xfrm>
-          <a:prstGeom prst="downArrow">
-            <a:avLst/>
-          </a:prstGeom>
-        </p:spPr>
-        <p:style>
-          <a:lnRef idx="2">
-            <a:schemeClr val="accent1">
-              <a:shade val="50000"/>
-            </a:schemeClr>
-          </a:lnRef>
-          <a:fillRef idx="1">
-            <a:schemeClr val="accent1"/>
-          </a:fillRef>
-          <a:effectRef idx="0">
-            <a:schemeClr val="accent1"/>
-          </a:effectRef>
-          <a:fontRef idx="minor">
-            <a:schemeClr val="lt1"/>
-          </a:fontRef>
-        </p:style>
-        <p:txBody>
-          <a:bodyPr rtlCol="0" anchor="ctr"/>
-          <a:lstStyle/>
-          <a:p>
-            <a:pPr algn="ctr"/>
+          <p:cNvPr id="2" name="Title 1"/>
+          <p:cNvSpPr>
+            <a:spLocks noGrp="1"/>
+          </p:cNvSpPr>
+          <p:nvPr>
+            <p:ph type="ctrTitle"/>
+          </p:nvPr>
+        </p:nvSpPr>
+        <p:spPr/>
+        <p:txBody>
+          <a:bodyPr/>
+          <a:lstStyle/>
+          <a:p>
+            <a:r>
+              <a:rPr lang="en-US" dirty="0"/>
+              <a:t>Exception Handlers</a:t>
+            </a:r>
+          </a:p>
+        </p:txBody>
+      </p:sp>
+      <p:sp>
+        <p:nvSpPr>
+          <p:cNvPr id="3" name="Subtitle 2"/>
+          <p:cNvSpPr>
+            <a:spLocks noGrp="1"/>
+          </p:cNvSpPr>
+          <p:nvPr>
+            <p:ph type="subTitle" idx="1"/>
+          </p:nvPr>
+        </p:nvSpPr>
+        <p:spPr/>
+        <p:txBody>
+          <a:bodyPr/>
+          <a:lstStyle/>
+          <a:p>
             <a:endParaRPr lang="en-US"/>
           </a:p>
         </p:txBody>
@@ -10797,7 +10934,7 @@
     </p:spTree>
     <p:extLst>
       <p:ext uri="{BB962C8B-B14F-4D97-AF65-F5344CB8AC3E}">
-        <p14:creationId xmlns:p14="http://schemas.microsoft.com/office/powerpoint/2010/main" val="3613720974"/>
+        <p14:creationId xmlns:p14="http://schemas.microsoft.com/office/powerpoint/2010/main" val="765580700"/>
       </p:ext>
     </p:extLst>
   </p:cSld>
@@ -10946,7 +11083,7 @@
             <a:pPr algn="ctr"/>
             <a:r>
               <a:rPr lang="en-US" dirty="0"/>
-              <a:t>Print Address Error Text </a:t>
+              <a:t>Print Bus Error Text </a:t>
             </a:r>
           </a:p>
         </p:txBody>
@@ -11224,7 +11361,7 @@
           <a:p>
             <a:r>
               <a:rPr lang="en-US" dirty="0"/>
-              <a:t>Address Error </a:t>
+              <a:t>Bus Error </a:t>
             </a:r>
           </a:p>
         </p:txBody>
@@ -11607,7 +11744,7 @@
     </p:spTree>
     <p:extLst>
       <p:ext uri="{BB962C8B-B14F-4D97-AF65-F5344CB8AC3E}">
-        <p14:creationId xmlns:p14="http://schemas.microsoft.com/office/powerpoint/2010/main" val="2329900542"/>
+        <p14:creationId xmlns:p14="http://schemas.microsoft.com/office/powerpoint/2010/main" val="3613720974"/>
       </p:ext>
     </p:extLst>
   </p:cSld>
@@ -11642,11 +11779,55 @@
         </p:nvSpPr>
         <p:spPr>
           <a:xfrm>
-            <a:off x="3770588" y="4094602"/>
+            <a:off x="7059698" y="5547482"/>
             <a:ext cx="1125621" cy="590082"/>
           </a:xfrm>
           <a:prstGeom prst="rightArrow">
             <a:avLst/>
+          </a:prstGeom>
+        </p:spPr>
+        <p:style>
+          <a:lnRef idx="2">
+            <a:schemeClr val="accent1">
+              <a:shade val="50000"/>
+            </a:schemeClr>
+          </a:lnRef>
+          <a:fillRef idx="1">
+            <a:schemeClr val="accent1"/>
+          </a:fillRef>
+          <a:effectRef idx="0">
+            <a:schemeClr val="accent1"/>
+          </a:effectRef>
+          <a:fontRef idx="minor">
+            <a:schemeClr val="lt1"/>
+          </a:fontRef>
+        </p:style>
+        <p:txBody>
+          <a:bodyPr rtlCol="0" anchor="ctr"/>
+          <a:lstStyle/>
+          <a:p>
+            <a:pPr algn="ctr"/>
+            <a:endParaRPr lang="en-US"/>
+          </a:p>
+        </p:txBody>
+      </p:sp>
+      <p:sp>
+        <p:nvSpPr>
+          <p:cNvPr id="2" name="Arrow: Bent-Up 1"/>
+          <p:cNvSpPr/>
+          <p:nvPr/>
+        </p:nvSpPr>
+        <p:spPr>
+          <a:xfrm>
+            <a:off x="4003329" y="655095"/>
+            <a:ext cx="558800" cy="5361940"/>
+          </a:xfrm>
+          <a:prstGeom prst="bentUpArrow">
+            <a:avLst>
+              <a:gd name="adj1" fmla="val 25000"/>
+              <a:gd name="adj2" fmla="val 12273"/>
+              <a:gd name="adj3" fmla="val 21321"/>
+            </a:avLst>
           </a:prstGeom>
         </p:spPr>
         <p:style>
@@ -11712,7 +11893,7 @@
             <a:pPr algn="ctr"/>
             <a:r>
               <a:rPr lang="en-US" dirty="0"/>
-              <a:t>Print Illegal Instruction  Text </a:t>
+              <a:t>Print Address Error Text </a:t>
             </a:r>
           </a:p>
         </p:txBody>
@@ -11805,6 +11986,49 @@
       </p:sp>
       <p:sp>
         <p:nvSpPr>
+          <p:cNvPr id="7" name="Oval 6"/>
+          <p:cNvSpPr/>
+          <p:nvPr/>
+        </p:nvSpPr>
+        <p:spPr>
+          <a:xfrm>
+            <a:off x="2040028" y="5285515"/>
+            <a:ext cx="2113280" cy="1300480"/>
+          </a:xfrm>
+          <a:prstGeom prst="ellipse">
+            <a:avLst/>
+          </a:prstGeom>
+        </p:spPr>
+        <p:style>
+          <a:lnRef idx="2">
+            <a:schemeClr val="accent1">
+              <a:shade val="50000"/>
+            </a:schemeClr>
+          </a:lnRef>
+          <a:fillRef idx="1">
+            <a:schemeClr val="accent1"/>
+          </a:fillRef>
+          <a:effectRef idx="0">
+            <a:schemeClr val="accent1"/>
+          </a:effectRef>
+          <a:fontRef idx="minor">
+            <a:schemeClr val="lt1"/>
+          </a:fontRef>
+        </p:style>
+        <p:txBody>
+          <a:bodyPr rtlCol="0" anchor="ctr"/>
+          <a:lstStyle/>
+          <a:p>
+            <a:pPr algn="ctr"/>
+            <a:r>
+              <a:rPr lang="en-US" dirty="0"/>
+              <a:t>Get IR From Stack by adding 22</a:t>
+            </a:r>
+          </a:p>
+        </p:txBody>
+      </p:sp>
+      <p:sp>
+        <p:nvSpPr>
           <p:cNvPr id="9" name="Arrow: Down 8"/>
           <p:cNvSpPr/>
           <p:nvPr/>
@@ -11853,6 +12077,46 @@
           <a:xfrm>
             <a:off x="2837469" y="3375435"/>
             <a:ext cx="546100" cy="304800"/>
+          </a:xfrm>
+          <a:prstGeom prst="downArrow">
+            <a:avLst/>
+          </a:prstGeom>
+        </p:spPr>
+        <p:style>
+          <a:lnRef idx="2">
+            <a:schemeClr val="accent1">
+              <a:shade val="50000"/>
+            </a:schemeClr>
+          </a:lnRef>
+          <a:fillRef idx="1">
+            <a:schemeClr val="accent1"/>
+          </a:fillRef>
+          <a:effectRef idx="0">
+            <a:schemeClr val="accent1"/>
+          </a:effectRef>
+          <a:fontRef idx="minor">
+            <a:schemeClr val="lt1"/>
+          </a:fontRef>
+        </p:style>
+        <p:txBody>
+          <a:bodyPr rtlCol="0" anchor="ctr"/>
+          <a:lstStyle/>
+          <a:p>
+            <a:pPr algn="ctr"/>
+            <a:endParaRPr lang="en-US"/>
+          </a:p>
+        </p:txBody>
+      </p:sp>
+      <p:sp>
+        <p:nvSpPr>
+          <p:cNvPr id="11" name="Arrow: Down 10"/>
+          <p:cNvSpPr/>
+          <p:nvPr/>
+        </p:nvSpPr>
+        <p:spPr>
+          <a:xfrm>
+            <a:off x="2852709" y="4980715"/>
+            <a:ext cx="485140" cy="304800"/>
           </a:xfrm>
           <a:prstGeom prst="downArrow">
             <a:avLst/>
@@ -11907,16 +12171,131 @@
           <a:p>
             <a:r>
               <a:rPr lang="en-US" dirty="0"/>
-              <a:t>Illegal </a:t>
-            </a:r>
-            <a:r>
-              <a:rPr lang="en-US" dirty="0" err="1"/>
-              <a:t>Instr</a:t>
-            </a:r>
-            <a:r>
-              <a:rPr lang="en-US" dirty="0"/>
-              <a:t> Error </a:t>
-            </a:r>
+              <a:t>Address Error </a:t>
+            </a:r>
+          </a:p>
+        </p:txBody>
+      </p:sp>
+      <p:sp>
+        <p:nvSpPr>
+          <p:cNvPr id="25" name="Arrow: Right 24"/>
+          <p:cNvSpPr/>
+          <p:nvPr/>
+        </p:nvSpPr>
+        <p:spPr>
+          <a:xfrm>
+            <a:off x="4422429" y="535715"/>
+            <a:ext cx="690880" cy="327660"/>
+          </a:xfrm>
+          <a:prstGeom prst="rightArrow">
+            <a:avLst/>
+          </a:prstGeom>
+        </p:spPr>
+        <p:style>
+          <a:lnRef idx="2">
+            <a:schemeClr val="accent1">
+              <a:shade val="50000"/>
+            </a:schemeClr>
+          </a:lnRef>
+          <a:fillRef idx="1">
+            <a:schemeClr val="accent1"/>
+          </a:fillRef>
+          <a:effectRef idx="0">
+            <a:schemeClr val="accent1"/>
+          </a:effectRef>
+          <a:fontRef idx="minor">
+            <a:schemeClr val="lt1"/>
+          </a:fontRef>
+        </p:style>
+        <p:txBody>
+          <a:bodyPr rtlCol="0" anchor="ctr"/>
+          <a:lstStyle/>
+          <a:p>
+            <a:pPr algn="ctr"/>
+            <a:endParaRPr lang="en-US" dirty="0"/>
+          </a:p>
+        </p:txBody>
+      </p:sp>
+      <p:sp>
+        <p:nvSpPr>
+          <p:cNvPr id="39" name="Oval 38"/>
+          <p:cNvSpPr/>
+          <p:nvPr/>
+        </p:nvSpPr>
+        <p:spPr>
+          <a:xfrm>
+            <a:off x="5112674" y="5188188"/>
+            <a:ext cx="2113280" cy="1300480"/>
+          </a:xfrm>
+          <a:prstGeom prst="ellipse">
+            <a:avLst/>
+          </a:prstGeom>
+        </p:spPr>
+        <p:style>
+          <a:lnRef idx="2">
+            <a:schemeClr val="accent1">
+              <a:shade val="50000"/>
+            </a:schemeClr>
+          </a:lnRef>
+          <a:fillRef idx="1">
+            <a:schemeClr val="accent1"/>
+          </a:fillRef>
+          <a:effectRef idx="0">
+            <a:schemeClr val="accent1"/>
+          </a:effectRef>
+          <a:fontRef idx="minor">
+            <a:schemeClr val="lt1"/>
+          </a:fontRef>
+        </p:style>
+        <p:txBody>
+          <a:bodyPr rtlCol="0" anchor="ctr"/>
+          <a:lstStyle/>
+          <a:p>
+            <a:pPr algn="ctr"/>
+            <a:r>
+              <a:rPr lang="en-US" dirty="0"/>
+              <a:t>Restore Registers</a:t>
+            </a:r>
+          </a:p>
+        </p:txBody>
+      </p:sp>
+      <p:sp>
+        <p:nvSpPr>
+          <p:cNvPr id="40" name="Arrow: Down 39"/>
+          <p:cNvSpPr/>
+          <p:nvPr/>
+        </p:nvSpPr>
+        <p:spPr>
+          <a:xfrm>
+            <a:off x="5856775" y="1489948"/>
+            <a:ext cx="652780" cy="487680"/>
+          </a:xfrm>
+          <a:prstGeom prst="downArrow">
+            <a:avLst/>
+          </a:prstGeom>
+        </p:spPr>
+        <p:style>
+          <a:lnRef idx="2">
+            <a:schemeClr val="accent1">
+              <a:shade val="50000"/>
+            </a:schemeClr>
+          </a:lnRef>
+          <a:fillRef idx="1">
+            <a:schemeClr val="accent1"/>
+          </a:fillRef>
+          <a:effectRef idx="0">
+            <a:schemeClr val="accent1"/>
+          </a:effectRef>
+          <a:fontRef idx="minor">
+            <a:schemeClr val="lt1"/>
+          </a:fontRef>
+        </p:style>
+        <p:txBody>
+          <a:bodyPr rtlCol="0" anchor="ctr"/>
+          <a:lstStyle/>
+          <a:p>
+            <a:pPr algn="ctr"/>
+            <a:endParaRPr lang="en-US"/>
           </a:p>
         </p:txBody>
       </p:sp>
@@ -11928,7 +12307,7 @@
         </p:nvSpPr>
         <p:spPr>
           <a:xfrm>
-            <a:off x="4896209" y="3680235"/>
+            <a:off x="8185319" y="5133115"/>
             <a:ext cx="2551953" cy="1398733"/>
           </a:xfrm>
           <a:prstGeom prst="ellipse">
@@ -11960,13 +12339,222 @@
               <a:rPr lang="en-US" dirty="0"/>
               <a:t>Go to DF and print registers there</a:t>
             </a:r>
+          </a:p>
+        </p:txBody>
+      </p:sp>
+      <p:sp>
+        <p:nvSpPr>
+          <p:cNvPr id="22" name="Oval 21"/>
+          <p:cNvSpPr/>
+          <p:nvPr/>
+        </p:nvSpPr>
+        <p:spPr>
+          <a:xfrm>
+            <a:off x="5112674" y="175614"/>
+            <a:ext cx="2535756" cy="1300480"/>
+          </a:xfrm>
+          <a:prstGeom prst="ellipse">
+            <a:avLst/>
+          </a:prstGeom>
+        </p:spPr>
+        <p:style>
+          <a:lnRef idx="2">
+            <a:schemeClr val="accent1">
+              <a:shade val="50000"/>
+            </a:schemeClr>
+          </a:lnRef>
+          <a:fillRef idx="1">
+            <a:schemeClr val="accent1"/>
+          </a:fillRef>
+          <a:effectRef idx="0">
+            <a:schemeClr val="accent1"/>
+          </a:effectRef>
+          <a:fontRef idx="minor">
+            <a:schemeClr val="lt1"/>
+          </a:fontRef>
+        </p:style>
+        <p:txBody>
+          <a:bodyPr rtlCol="0" anchor="ctr"/>
+          <a:lstStyle/>
+          <a:p>
+            <a:pPr algn="ctr"/>
+            <a:r>
+              <a:rPr lang="en-US" dirty="0"/>
+              <a:t>Print IR  label and the IR from prev. step</a:t>
+            </a:r>
+          </a:p>
+        </p:txBody>
+      </p:sp>
+      <p:sp>
+        <p:nvSpPr>
+          <p:cNvPr id="23" name="Oval 22"/>
+          <p:cNvSpPr/>
+          <p:nvPr/>
+        </p:nvSpPr>
+        <p:spPr>
+          <a:xfrm>
+            <a:off x="4916521" y="1982256"/>
+            <a:ext cx="2578676" cy="1300480"/>
+          </a:xfrm>
+          <a:prstGeom prst="ellipse">
+            <a:avLst/>
+          </a:prstGeom>
+        </p:spPr>
+        <p:style>
+          <a:lnRef idx="2">
+            <a:schemeClr val="accent1">
+              <a:shade val="50000"/>
+            </a:schemeClr>
+          </a:lnRef>
+          <a:fillRef idx="1">
+            <a:schemeClr val="accent1"/>
+          </a:fillRef>
+          <a:effectRef idx="0">
+            <a:schemeClr val="accent1"/>
+          </a:effectRef>
+          <a:fontRef idx="minor">
+            <a:schemeClr val="lt1"/>
+          </a:fontRef>
+        </p:style>
+        <p:txBody>
+          <a:bodyPr rtlCol="0" anchor="ctr"/>
+          <a:lstStyle/>
+          <a:p>
+            <a:pPr algn="ctr"/>
+            <a:r>
+              <a:rPr lang="en-US" dirty="0"/>
+              <a:t>Get SSW from Stack adding 16</a:t>
+            </a:r>
+          </a:p>
+        </p:txBody>
+      </p:sp>
+      <p:sp>
+        <p:nvSpPr>
+          <p:cNvPr id="24" name="Oval 23"/>
+          <p:cNvSpPr/>
+          <p:nvPr/>
+        </p:nvSpPr>
+        <p:spPr>
+          <a:xfrm>
+            <a:off x="4997253" y="3587536"/>
+            <a:ext cx="2535756" cy="1300480"/>
+          </a:xfrm>
+          <a:prstGeom prst="ellipse">
+            <a:avLst/>
+          </a:prstGeom>
+        </p:spPr>
+        <p:style>
+          <a:lnRef idx="2">
+            <a:schemeClr val="accent1">
+              <a:shade val="50000"/>
+            </a:schemeClr>
+          </a:lnRef>
+          <a:fillRef idx="1">
+            <a:schemeClr val="accent1"/>
+          </a:fillRef>
+          <a:effectRef idx="0">
+            <a:schemeClr val="accent1"/>
+          </a:effectRef>
+          <a:fontRef idx="minor">
+            <a:schemeClr val="lt1"/>
+          </a:fontRef>
+        </p:style>
+        <p:txBody>
+          <a:bodyPr rtlCol="0" anchor="ctr"/>
+          <a:lstStyle/>
+          <a:p>
+            <a:pPr algn="ctr"/>
+            <a:r>
+              <a:rPr lang="en-US" dirty="0"/>
+              <a:t>Print IR  label and the IR from prev. step</a:t>
+            </a:r>
+          </a:p>
+        </p:txBody>
+      </p:sp>
+      <p:sp>
+        <p:nvSpPr>
+          <p:cNvPr id="26" name="Arrow: Down 25"/>
+          <p:cNvSpPr/>
+          <p:nvPr/>
+        </p:nvSpPr>
+        <p:spPr>
+          <a:xfrm>
+            <a:off x="5948049" y="3282736"/>
+            <a:ext cx="546100" cy="304800"/>
+          </a:xfrm>
+          <a:prstGeom prst="downArrow">
+            <a:avLst/>
+          </a:prstGeom>
+        </p:spPr>
+        <p:style>
+          <a:lnRef idx="2">
+            <a:schemeClr val="accent1">
+              <a:shade val="50000"/>
+            </a:schemeClr>
+          </a:lnRef>
+          <a:fillRef idx="1">
+            <a:schemeClr val="accent1"/>
+          </a:fillRef>
+          <a:effectRef idx="0">
+            <a:schemeClr val="accent1"/>
+          </a:effectRef>
+          <a:fontRef idx="minor">
+            <a:schemeClr val="lt1"/>
+          </a:fontRef>
+        </p:style>
+        <p:txBody>
+          <a:bodyPr rtlCol="0" anchor="ctr"/>
+          <a:lstStyle/>
+          <a:p>
+            <a:pPr algn="ctr"/>
+            <a:endParaRPr lang="en-US"/>
+          </a:p>
+        </p:txBody>
+      </p:sp>
+      <p:sp>
+        <p:nvSpPr>
+          <p:cNvPr id="27" name="Arrow: Down 26"/>
+          <p:cNvSpPr/>
+          <p:nvPr/>
+        </p:nvSpPr>
+        <p:spPr>
+          <a:xfrm>
+            <a:off x="5963289" y="4888016"/>
+            <a:ext cx="485140" cy="304800"/>
+          </a:xfrm>
+          <a:prstGeom prst="downArrow">
+            <a:avLst/>
+          </a:prstGeom>
+        </p:spPr>
+        <p:style>
+          <a:lnRef idx="2">
+            <a:schemeClr val="accent1">
+              <a:shade val="50000"/>
+            </a:schemeClr>
+          </a:lnRef>
+          <a:fillRef idx="1">
+            <a:schemeClr val="accent1"/>
+          </a:fillRef>
+          <a:effectRef idx="0">
+            <a:schemeClr val="accent1"/>
+          </a:effectRef>
+          <a:fontRef idx="minor">
+            <a:schemeClr val="lt1"/>
+          </a:fontRef>
+        </p:style>
+        <p:txBody>
+          <a:bodyPr rtlCol="0" anchor="ctr"/>
+          <a:lstStyle/>
+          <a:p>
+            <a:pPr algn="ctr"/>
+            <a:endParaRPr lang="en-US"/>
           </a:p>
         </p:txBody>
       </p:sp>
     </p:spTree>
     <p:extLst>
       <p:ext uri="{BB962C8B-B14F-4D97-AF65-F5344CB8AC3E}">
-        <p14:creationId xmlns:p14="http://schemas.microsoft.com/office/powerpoint/2010/main" val="3045902512"/>
+        <p14:creationId xmlns:p14="http://schemas.microsoft.com/office/powerpoint/2010/main" val="2329900542"/>
       </p:ext>
     </p:extLst>
   </p:cSld>
@@ -12071,15 +12659,7 @@
             <a:pPr algn="ctr"/>
             <a:r>
               <a:rPr lang="en-US" dirty="0"/>
-              <a:t>Print </a:t>
-            </a:r>
-            <a:r>
-              <a:rPr lang="en-US" dirty="0" err="1"/>
-              <a:t>Privelege</a:t>
-            </a:r>
-            <a:r>
-              <a:rPr lang="en-US" dirty="0"/>
-              <a:t> violation Text </a:t>
+              <a:t>Print Illegal Instruction  Text </a:t>
             </a:r>
           </a:p>
         </p:txBody>
@@ -12259,7 +12839,7 @@
         <p:spPr>
           <a:xfrm>
             <a:off x="-1" y="6488668"/>
-            <a:ext cx="2674962" cy="369332"/>
+            <a:ext cx="1886674" cy="369332"/>
           </a:xfrm>
           <a:prstGeom prst="rect">
             <a:avLst/>
@@ -12274,7 +12854,15 @@
           <a:p>
             <a:r>
               <a:rPr lang="en-US" dirty="0"/>
-              <a:t>Privilege Violation Error </a:t>
+              <a:t>Illegal </a:t>
+            </a:r>
+            <a:r>
+              <a:rPr lang="en-US" dirty="0" err="1"/>
+              <a:t>Instr</a:t>
+            </a:r>
+            <a:r>
+              <a:rPr lang="en-US" dirty="0"/>
+              <a:t> Error </a:t>
             </a:r>
           </a:p>
         </p:txBody>
@@ -12325,7 +12913,7 @@
     </p:spTree>
     <p:extLst>
       <p:ext uri="{BB962C8B-B14F-4D97-AF65-F5344CB8AC3E}">
-        <p14:creationId xmlns:p14="http://schemas.microsoft.com/office/powerpoint/2010/main" val="4259053947"/>
+        <p14:creationId xmlns:p14="http://schemas.microsoft.com/office/powerpoint/2010/main" val="3045902512"/>
       </p:ext>
     </p:extLst>
   </p:cSld>
@@ -12430,7 +13018,15 @@
             <a:pPr algn="ctr"/>
             <a:r>
               <a:rPr lang="en-US" dirty="0"/>
-              <a:t>Print Divide by Zero Text </a:t>
+              <a:t>Print </a:t>
+            </a:r>
+            <a:r>
+              <a:rPr lang="en-US" dirty="0" err="1"/>
+              <a:t>Privelege</a:t>
+            </a:r>
+            <a:r>
+              <a:rPr lang="en-US" dirty="0"/>
+              <a:t> violation Text </a:t>
             </a:r>
           </a:p>
         </p:txBody>
@@ -12625,7 +13221,7 @@
           <a:p>
             <a:r>
               <a:rPr lang="en-US" dirty="0"/>
-              <a:t>Divide by Zero Error </a:t>
+              <a:t>Privilege Violation Error </a:t>
             </a:r>
           </a:p>
         </p:txBody>
@@ -12676,7 +13272,7 @@
     </p:spTree>
     <p:extLst>
       <p:ext uri="{BB962C8B-B14F-4D97-AF65-F5344CB8AC3E}">
-        <p14:creationId xmlns:p14="http://schemas.microsoft.com/office/powerpoint/2010/main" val="684271646"/>
+        <p14:creationId xmlns:p14="http://schemas.microsoft.com/office/powerpoint/2010/main" val="4259053947"/>
       </p:ext>
     </p:extLst>
   </p:cSld>
@@ -12781,7 +13377,7 @@
             <a:pPr algn="ctr"/>
             <a:r>
               <a:rPr lang="en-US" dirty="0"/>
-              <a:t>Print Check Instruction Text </a:t>
+              <a:t>Print Divide by Zero Text </a:t>
             </a:r>
           </a:p>
         </p:txBody>
@@ -12976,7 +13572,7 @@
           <a:p>
             <a:r>
               <a:rPr lang="en-US" dirty="0"/>
-              <a:t>Check instruction  </a:t>
+              <a:t>Divide by Zero Error </a:t>
             </a:r>
           </a:p>
         </p:txBody>
@@ -13027,7 +13623,7 @@
     </p:spTree>
     <p:extLst>
       <p:ext uri="{BB962C8B-B14F-4D97-AF65-F5344CB8AC3E}">
-        <p14:creationId xmlns:p14="http://schemas.microsoft.com/office/powerpoint/2010/main" val="2250245271"/>
+        <p14:creationId xmlns:p14="http://schemas.microsoft.com/office/powerpoint/2010/main" val="684271646"/>
       </p:ext>
     </p:extLst>
   </p:cSld>
@@ -13132,6 +13728,357 @@
             <a:pPr algn="ctr"/>
             <a:r>
               <a:rPr lang="en-US" dirty="0"/>
+              <a:t>Print Check Instruction Text </a:t>
+            </a:r>
+          </a:p>
+        </p:txBody>
+      </p:sp>
+      <p:sp>
+        <p:nvSpPr>
+          <p:cNvPr id="5" name="Oval 4"/>
+          <p:cNvSpPr/>
+          <p:nvPr/>
+        </p:nvSpPr>
+        <p:spPr>
+          <a:xfrm>
+            <a:off x="1805941" y="2074955"/>
+            <a:ext cx="2578676" cy="1300480"/>
+          </a:xfrm>
+          <a:prstGeom prst="ellipse">
+            <a:avLst/>
+          </a:prstGeom>
+        </p:spPr>
+        <p:style>
+          <a:lnRef idx="2">
+            <a:schemeClr val="accent1">
+              <a:shade val="50000"/>
+            </a:schemeClr>
+          </a:lnRef>
+          <a:fillRef idx="1">
+            <a:schemeClr val="accent1"/>
+          </a:fillRef>
+          <a:effectRef idx="0">
+            <a:schemeClr val="accent1"/>
+          </a:effectRef>
+          <a:fontRef idx="minor">
+            <a:schemeClr val="lt1"/>
+          </a:fontRef>
+        </p:style>
+        <p:txBody>
+          <a:bodyPr rtlCol="0" anchor="ctr"/>
+          <a:lstStyle/>
+          <a:p>
+            <a:pPr algn="ctr"/>
+            <a:r>
+              <a:rPr lang="en-US" dirty="0"/>
+              <a:t>Get Bus Address from Stack adding 18</a:t>
+            </a:r>
+          </a:p>
+        </p:txBody>
+      </p:sp>
+      <p:sp>
+        <p:nvSpPr>
+          <p:cNvPr id="6" name="Oval 5"/>
+          <p:cNvSpPr/>
+          <p:nvPr/>
+        </p:nvSpPr>
+        <p:spPr>
+          <a:xfrm>
+            <a:off x="1886673" y="3680235"/>
+            <a:ext cx="2535756" cy="1300480"/>
+          </a:xfrm>
+          <a:prstGeom prst="ellipse">
+            <a:avLst/>
+          </a:prstGeom>
+        </p:spPr>
+        <p:style>
+          <a:lnRef idx="2">
+            <a:schemeClr val="accent1">
+              <a:shade val="50000"/>
+            </a:schemeClr>
+          </a:lnRef>
+          <a:fillRef idx="1">
+            <a:schemeClr val="accent1"/>
+          </a:fillRef>
+          <a:effectRef idx="0">
+            <a:schemeClr val="accent1"/>
+          </a:effectRef>
+          <a:fontRef idx="minor">
+            <a:schemeClr val="lt1"/>
+          </a:fontRef>
+        </p:style>
+        <p:txBody>
+          <a:bodyPr rtlCol="0" anchor="ctr"/>
+          <a:lstStyle/>
+          <a:p>
+            <a:pPr algn="ctr"/>
+            <a:r>
+              <a:rPr lang="en-US" dirty="0"/>
+              <a:t>Print BA  label and the BA from prev. step</a:t>
+            </a:r>
+          </a:p>
+        </p:txBody>
+      </p:sp>
+      <p:sp>
+        <p:nvSpPr>
+          <p:cNvPr id="9" name="Arrow: Down 8"/>
+          <p:cNvSpPr/>
+          <p:nvPr/>
+        </p:nvSpPr>
+        <p:spPr>
+          <a:xfrm>
+            <a:off x="2784129" y="1587275"/>
+            <a:ext cx="652780" cy="487680"/>
+          </a:xfrm>
+          <a:prstGeom prst="downArrow">
+            <a:avLst/>
+          </a:prstGeom>
+        </p:spPr>
+        <p:style>
+          <a:lnRef idx="2">
+            <a:schemeClr val="accent1">
+              <a:shade val="50000"/>
+            </a:schemeClr>
+          </a:lnRef>
+          <a:fillRef idx="1">
+            <a:schemeClr val="accent1"/>
+          </a:fillRef>
+          <a:effectRef idx="0">
+            <a:schemeClr val="accent1"/>
+          </a:effectRef>
+          <a:fontRef idx="minor">
+            <a:schemeClr val="lt1"/>
+          </a:fontRef>
+        </p:style>
+        <p:txBody>
+          <a:bodyPr rtlCol="0" anchor="ctr"/>
+          <a:lstStyle/>
+          <a:p>
+            <a:pPr algn="ctr"/>
+            <a:endParaRPr lang="en-US"/>
+          </a:p>
+        </p:txBody>
+      </p:sp>
+      <p:sp>
+        <p:nvSpPr>
+          <p:cNvPr id="10" name="Arrow: Down 9"/>
+          <p:cNvSpPr/>
+          <p:nvPr/>
+        </p:nvSpPr>
+        <p:spPr>
+          <a:xfrm>
+            <a:off x="2837469" y="3375435"/>
+            <a:ext cx="546100" cy="304800"/>
+          </a:xfrm>
+          <a:prstGeom prst="downArrow">
+            <a:avLst/>
+          </a:prstGeom>
+        </p:spPr>
+        <p:style>
+          <a:lnRef idx="2">
+            <a:schemeClr val="accent1">
+              <a:shade val="50000"/>
+            </a:schemeClr>
+          </a:lnRef>
+          <a:fillRef idx="1">
+            <a:schemeClr val="accent1"/>
+          </a:fillRef>
+          <a:effectRef idx="0">
+            <a:schemeClr val="accent1"/>
+          </a:effectRef>
+          <a:fontRef idx="minor">
+            <a:schemeClr val="lt1"/>
+          </a:fontRef>
+        </p:style>
+        <p:txBody>
+          <a:bodyPr rtlCol="0" anchor="ctr"/>
+          <a:lstStyle/>
+          <a:p>
+            <a:pPr algn="ctr"/>
+            <a:endParaRPr lang="en-US"/>
+          </a:p>
+        </p:txBody>
+      </p:sp>
+      <p:sp>
+        <p:nvSpPr>
+          <p:cNvPr id="12" name="TextBox 11"/>
+          <p:cNvSpPr txBox="1"/>
+          <p:nvPr/>
+        </p:nvSpPr>
+        <p:spPr>
+          <a:xfrm>
+            <a:off x="-1" y="6488668"/>
+            <a:ext cx="2674962" cy="369332"/>
+          </a:xfrm>
+          <a:prstGeom prst="rect">
+            <a:avLst/>
+          </a:prstGeom>
+          <a:noFill/>
+        </p:spPr>
+        <p:txBody>
+          <a:bodyPr wrap="square" rtlCol="0">
+            <a:spAutoFit/>
+          </a:bodyPr>
+          <a:lstStyle/>
+          <a:p>
+            <a:r>
+              <a:rPr lang="en-US" dirty="0"/>
+              <a:t>Check instruction  </a:t>
+            </a:r>
+          </a:p>
+        </p:txBody>
+      </p:sp>
+      <p:sp>
+        <p:nvSpPr>
+          <p:cNvPr id="43" name="Oval 42"/>
+          <p:cNvSpPr/>
+          <p:nvPr/>
+        </p:nvSpPr>
+        <p:spPr>
+          <a:xfrm>
+            <a:off x="4896209" y="3680235"/>
+            <a:ext cx="2551953" cy="1398733"/>
+          </a:xfrm>
+          <a:prstGeom prst="ellipse">
+            <a:avLst/>
+          </a:prstGeom>
+        </p:spPr>
+        <p:style>
+          <a:lnRef idx="2">
+            <a:schemeClr val="accent1">
+              <a:shade val="50000"/>
+            </a:schemeClr>
+          </a:lnRef>
+          <a:fillRef idx="1">
+            <a:schemeClr val="accent1"/>
+          </a:fillRef>
+          <a:effectRef idx="0">
+            <a:schemeClr val="accent1"/>
+          </a:effectRef>
+          <a:fontRef idx="minor">
+            <a:schemeClr val="lt1"/>
+          </a:fontRef>
+        </p:style>
+        <p:txBody>
+          <a:bodyPr rtlCol="0" anchor="ctr"/>
+          <a:lstStyle/>
+          <a:p>
+            <a:pPr algn="ctr"/>
+            <a:r>
+              <a:rPr lang="en-US" dirty="0"/>
+              <a:t>Go to DF and print registers there</a:t>
+            </a:r>
+          </a:p>
+        </p:txBody>
+      </p:sp>
+    </p:spTree>
+    <p:extLst>
+      <p:ext uri="{BB962C8B-B14F-4D97-AF65-F5344CB8AC3E}">
+        <p14:creationId xmlns:p14="http://schemas.microsoft.com/office/powerpoint/2010/main" val="2250245271"/>
+      </p:ext>
+    </p:extLst>
+  </p:cSld>
+  <p:clrMapOvr>
+    <a:masterClrMapping/>
+  </p:clrMapOvr>
+</p:sld>
+</file>
+
+<file path=ppt/slides/slide27.xml><?xml version="1.0" encoding="utf-8"?>
+<p:sld xmlns:a="http://schemas.openxmlformats.org/drawingml/2006/main" xmlns:r="http://schemas.openxmlformats.org/officeDocument/2006/relationships" xmlns:p="http://schemas.openxmlformats.org/presentationml/2006/main">
+  <p:cSld>
+    <p:spTree>
+      <p:nvGrpSpPr>
+        <p:cNvPr id="1" name=""/>
+        <p:cNvGrpSpPr/>
+        <p:nvPr/>
+      </p:nvGrpSpPr>
+      <p:grpSpPr>
+        <a:xfrm>
+          <a:off x="0" y="0"/>
+          <a:ext cx="0" cy="0"/>
+          <a:chOff x="0" y="0"/>
+          <a:chExt cx="0" cy="0"/>
+        </a:xfrm>
+      </p:grpSpPr>
+      <p:sp>
+        <p:nvSpPr>
+          <p:cNvPr id="8" name="Arrow: Right 7"/>
+          <p:cNvSpPr/>
+          <p:nvPr/>
+        </p:nvSpPr>
+        <p:spPr>
+          <a:xfrm>
+            <a:off x="3770588" y="4094602"/>
+            <a:ext cx="1125621" cy="590082"/>
+          </a:xfrm>
+          <a:prstGeom prst="rightArrow">
+            <a:avLst/>
+          </a:prstGeom>
+        </p:spPr>
+        <p:style>
+          <a:lnRef idx="2">
+            <a:schemeClr val="accent1">
+              <a:shade val="50000"/>
+            </a:schemeClr>
+          </a:lnRef>
+          <a:fillRef idx="1">
+            <a:schemeClr val="accent1"/>
+          </a:fillRef>
+          <a:effectRef idx="0">
+            <a:schemeClr val="accent1"/>
+          </a:effectRef>
+          <a:fontRef idx="minor">
+            <a:schemeClr val="lt1"/>
+          </a:fontRef>
+        </p:style>
+        <p:txBody>
+          <a:bodyPr rtlCol="0" anchor="ctr"/>
+          <a:lstStyle/>
+          <a:p>
+            <a:pPr algn="ctr"/>
+            <a:endParaRPr lang="en-US"/>
+          </a:p>
+        </p:txBody>
+      </p:sp>
+      <p:sp>
+        <p:nvSpPr>
+          <p:cNvPr id="4" name="Oval 3"/>
+          <p:cNvSpPr/>
+          <p:nvPr/>
+        </p:nvSpPr>
+        <p:spPr>
+          <a:xfrm>
+            <a:off x="2044989" y="286795"/>
+            <a:ext cx="2113280" cy="1300480"/>
+          </a:xfrm>
+          <a:prstGeom prst="ellipse">
+            <a:avLst/>
+          </a:prstGeom>
+        </p:spPr>
+        <p:style>
+          <a:lnRef idx="2">
+            <a:schemeClr val="accent1">
+              <a:shade val="50000"/>
+            </a:schemeClr>
+          </a:lnRef>
+          <a:fillRef idx="1">
+            <a:schemeClr val="accent1"/>
+          </a:fillRef>
+          <a:effectRef idx="0">
+            <a:schemeClr val="accent1"/>
+          </a:effectRef>
+          <a:fontRef idx="minor">
+            <a:schemeClr val="lt1"/>
+          </a:fontRef>
+        </p:style>
+        <p:txBody>
+          <a:bodyPr rtlCol="0" anchor="ctr"/>
+          <a:lstStyle/>
+          <a:p>
+            <a:pPr algn="ctr"/>
+            <a:r>
+              <a:rPr lang="en-US" dirty="0"/>
               <a:t>Print Line A or Line F Exception Text </a:t>
             </a:r>
           </a:p>
@@ -13379,6 +14326,431 @@
     <p:extLst>
       <p:ext uri="{BB962C8B-B14F-4D97-AF65-F5344CB8AC3E}">
         <p14:creationId xmlns:p14="http://schemas.microsoft.com/office/powerpoint/2010/main" val="585353656"/>
+      </p:ext>
+    </p:extLst>
+  </p:cSld>
+  <p:clrMapOvr>
+    <a:masterClrMapping/>
+  </p:clrMapOvr>
+</p:sld>
+</file>
+
+<file path=ppt/slides/slide28.xml><?xml version="1.0" encoding="utf-8"?>
+<p:sld xmlns:a="http://schemas.openxmlformats.org/drawingml/2006/main" xmlns:r="http://schemas.openxmlformats.org/officeDocument/2006/relationships" xmlns:p="http://schemas.openxmlformats.org/presentationml/2006/main">
+  <p:cSld>
+    <p:spTree>
+      <p:nvGrpSpPr>
+        <p:cNvPr id="1" name=""/>
+        <p:cNvGrpSpPr/>
+        <p:nvPr/>
+      </p:nvGrpSpPr>
+      <p:grpSpPr>
+        <a:xfrm>
+          <a:off x="0" y="0"/>
+          <a:ext cx="0" cy="0"/>
+          <a:chOff x="0" y="0"/>
+          <a:chExt cx="0" cy="0"/>
+        </a:xfrm>
+      </p:grpSpPr>
+      <p:sp>
+        <p:nvSpPr>
+          <p:cNvPr id="2" name="Title 1"/>
+          <p:cNvSpPr>
+            <a:spLocks noGrp="1"/>
+          </p:cNvSpPr>
+          <p:nvPr>
+            <p:ph type="ctrTitle"/>
+          </p:nvPr>
+        </p:nvSpPr>
+        <p:spPr/>
+        <p:txBody>
+          <a:bodyPr/>
+          <a:lstStyle/>
+          <a:p>
+            <a:r>
+              <a:rPr lang="en-US" dirty="0"/>
+              <a:t>EXTRA Stuff</a:t>
+            </a:r>
+          </a:p>
+        </p:txBody>
+      </p:sp>
+      <p:sp>
+        <p:nvSpPr>
+          <p:cNvPr id="3" name="Subtitle 2"/>
+          <p:cNvSpPr>
+            <a:spLocks noGrp="1"/>
+          </p:cNvSpPr>
+          <p:nvPr>
+            <p:ph type="subTitle" idx="1"/>
+          </p:nvPr>
+        </p:nvSpPr>
+        <p:spPr/>
+        <p:txBody>
+          <a:bodyPr/>
+          <a:lstStyle/>
+          <a:p>
+            <a:r>
+              <a:rPr lang="en-US" dirty="0"/>
+              <a:t>PUT HEX TO ASCII AND ASCII TO HEX HERE</a:t>
+            </a:r>
+          </a:p>
+        </p:txBody>
+      </p:sp>
+    </p:spTree>
+    <p:extLst>
+      <p:ext uri="{BB962C8B-B14F-4D97-AF65-F5344CB8AC3E}">
+        <p14:creationId xmlns:p14="http://schemas.microsoft.com/office/powerpoint/2010/main" val="390631418"/>
+      </p:ext>
+    </p:extLst>
+  </p:cSld>
+  <p:clrMapOvr>
+    <a:masterClrMapping/>
+  </p:clrMapOvr>
+</p:sld>
+</file>
+
+<file path=ppt/slides/slide29.xml><?xml version="1.0" encoding="utf-8"?>
+<p:sld xmlns:a="http://schemas.openxmlformats.org/drawingml/2006/main" xmlns:r="http://schemas.openxmlformats.org/officeDocument/2006/relationships" xmlns:p="http://schemas.openxmlformats.org/presentationml/2006/main">
+  <p:cSld>
+    <p:spTree>
+      <p:nvGrpSpPr>
+        <p:cNvPr id="1" name=""/>
+        <p:cNvGrpSpPr/>
+        <p:nvPr/>
+      </p:nvGrpSpPr>
+      <p:grpSpPr>
+        <a:xfrm>
+          <a:off x="0" y="0"/>
+          <a:ext cx="0" cy="0"/>
+          <a:chOff x="0" y="0"/>
+          <a:chExt cx="0" cy="0"/>
+        </a:xfrm>
+      </p:grpSpPr>
+      <p:sp>
+        <p:nvSpPr>
+          <p:cNvPr id="8" name="Arrow: Right 7"/>
+          <p:cNvSpPr/>
+          <p:nvPr/>
+        </p:nvSpPr>
+        <p:spPr>
+          <a:xfrm>
+            <a:off x="3770588" y="4094602"/>
+            <a:ext cx="1125621" cy="590082"/>
+          </a:xfrm>
+          <a:prstGeom prst="rightArrow">
+            <a:avLst/>
+          </a:prstGeom>
+        </p:spPr>
+        <p:style>
+          <a:lnRef idx="2">
+            <a:schemeClr val="accent1">
+              <a:shade val="50000"/>
+            </a:schemeClr>
+          </a:lnRef>
+          <a:fillRef idx="1">
+            <a:schemeClr val="accent1"/>
+          </a:fillRef>
+          <a:effectRef idx="0">
+            <a:schemeClr val="accent1"/>
+          </a:effectRef>
+          <a:fontRef idx="minor">
+            <a:schemeClr val="lt1"/>
+          </a:fontRef>
+        </p:style>
+        <p:txBody>
+          <a:bodyPr rtlCol="0" anchor="ctr"/>
+          <a:lstStyle/>
+          <a:p>
+            <a:pPr algn="ctr"/>
+            <a:endParaRPr lang="en-US"/>
+          </a:p>
+        </p:txBody>
+      </p:sp>
+      <p:sp>
+        <p:nvSpPr>
+          <p:cNvPr id="5" name="Oval 4"/>
+          <p:cNvSpPr/>
+          <p:nvPr/>
+        </p:nvSpPr>
+        <p:spPr>
+          <a:xfrm>
+            <a:off x="1805941" y="2074955"/>
+            <a:ext cx="2578676" cy="1300480"/>
+          </a:xfrm>
+          <a:prstGeom prst="ellipse">
+            <a:avLst/>
+          </a:prstGeom>
+        </p:spPr>
+        <p:style>
+          <a:lnRef idx="2">
+            <a:schemeClr val="accent1">
+              <a:shade val="50000"/>
+            </a:schemeClr>
+          </a:lnRef>
+          <a:fillRef idx="1">
+            <a:schemeClr val="accent1"/>
+          </a:fillRef>
+          <a:effectRef idx="0">
+            <a:schemeClr val="accent1"/>
+          </a:effectRef>
+          <a:fontRef idx="minor">
+            <a:schemeClr val="lt1"/>
+          </a:fontRef>
+        </p:style>
+        <p:txBody>
+          <a:bodyPr rtlCol="0" anchor="ctr"/>
+          <a:lstStyle/>
+          <a:p>
+            <a:pPr algn="ctr"/>
+            <a:r>
+              <a:rPr lang="en-US" dirty="0"/>
+              <a:t>Does Command Match G</a:t>
+            </a:r>
+          </a:p>
+        </p:txBody>
+      </p:sp>
+      <p:sp>
+        <p:nvSpPr>
+          <p:cNvPr id="6" name="Oval 5"/>
+          <p:cNvSpPr/>
+          <p:nvPr/>
+        </p:nvSpPr>
+        <p:spPr>
+          <a:xfrm>
+            <a:off x="1886673" y="3680235"/>
+            <a:ext cx="2535756" cy="1300480"/>
+          </a:xfrm>
+          <a:prstGeom prst="ellipse">
+            <a:avLst/>
+          </a:prstGeom>
+        </p:spPr>
+        <p:style>
+          <a:lnRef idx="2">
+            <a:schemeClr val="accent1">
+              <a:shade val="50000"/>
+            </a:schemeClr>
+          </a:lnRef>
+          <a:fillRef idx="1">
+            <a:schemeClr val="accent1"/>
+          </a:fillRef>
+          <a:effectRef idx="0">
+            <a:schemeClr val="accent1"/>
+          </a:effectRef>
+          <a:fontRef idx="minor">
+            <a:schemeClr val="lt1"/>
+          </a:fontRef>
+        </p:style>
+        <p:txBody>
+          <a:bodyPr rtlCol="0" anchor="ctr"/>
+          <a:lstStyle/>
+          <a:p>
+            <a:pPr algn="ctr"/>
+            <a:r>
+              <a:rPr lang="en-US" dirty="0"/>
+              <a:t>Print BA  label and the BA from prev. step</a:t>
+            </a:r>
+          </a:p>
+        </p:txBody>
+      </p:sp>
+      <p:sp>
+        <p:nvSpPr>
+          <p:cNvPr id="9" name="Arrow: Down 8"/>
+          <p:cNvSpPr/>
+          <p:nvPr/>
+        </p:nvSpPr>
+        <p:spPr>
+          <a:xfrm>
+            <a:off x="2784129" y="1587275"/>
+            <a:ext cx="652780" cy="487680"/>
+          </a:xfrm>
+          <a:prstGeom prst="downArrow">
+            <a:avLst/>
+          </a:prstGeom>
+        </p:spPr>
+        <p:style>
+          <a:lnRef idx="2">
+            <a:schemeClr val="accent1">
+              <a:shade val="50000"/>
+            </a:schemeClr>
+          </a:lnRef>
+          <a:fillRef idx="1">
+            <a:schemeClr val="accent1"/>
+          </a:fillRef>
+          <a:effectRef idx="0">
+            <a:schemeClr val="accent1"/>
+          </a:effectRef>
+          <a:fontRef idx="minor">
+            <a:schemeClr val="lt1"/>
+          </a:fontRef>
+        </p:style>
+        <p:txBody>
+          <a:bodyPr rtlCol="0" anchor="ctr"/>
+          <a:lstStyle/>
+          <a:p>
+            <a:pPr algn="ctr"/>
+            <a:endParaRPr lang="en-US"/>
+          </a:p>
+        </p:txBody>
+      </p:sp>
+      <p:sp>
+        <p:nvSpPr>
+          <p:cNvPr id="10" name="Arrow: Down 9"/>
+          <p:cNvSpPr/>
+          <p:nvPr/>
+        </p:nvSpPr>
+        <p:spPr>
+          <a:xfrm>
+            <a:off x="2837469" y="3375435"/>
+            <a:ext cx="546100" cy="304800"/>
+          </a:xfrm>
+          <a:prstGeom prst="downArrow">
+            <a:avLst/>
+          </a:prstGeom>
+        </p:spPr>
+        <p:style>
+          <a:lnRef idx="2">
+            <a:schemeClr val="accent1">
+              <a:shade val="50000"/>
+            </a:schemeClr>
+          </a:lnRef>
+          <a:fillRef idx="1">
+            <a:schemeClr val="accent1"/>
+          </a:fillRef>
+          <a:effectRef idx="0">
+            <a:schemeClr val="accent1"/>
+          </a:effectRef>
+          <a:fontRef idx="minor">
+            <a:schemeClr val="lt1"/>
+          </a:fontRef>
+        </p:style>
+        <p:txBody>
+          <a:bodyPr rtlCol="0" anchor="ctr"/>
+          <a:lstStyle/>
+          <a:p>
+            <a:pPr algn="ctr"/>
+            <a:endParaRPr lang="en-US"/>
+          </a:p>
+        </p:txBody>
+      </p:sp>
+      <p:sp>
+        <p:nvSpPr>
+          <p:cNvPr id="12" name="TextBox 11"/>
+          <p:cNvSpPr txBox="1"/>
+          <p:nvPr/>
+        </p:nvSpPr>
+        <p:spPr>
+          <a:xfrm>
+            <a:off x="-1" y="6488668"/>
+            <a:ext cx="2674962" cy="369332"/>
+          </a:xfrm>
+          <a:prstGeom prst="rect">
+            <a:avLst/>
+          </a:prstGeom>
+          <a:noFill/>
+        </p:spPr>
+        <p:txBody>
+          <a:bodyPr wrap="square" rtlCol="0">
+            <a:spAutoFit/>
+          </a:bodyPr>
+          <a:lstStyle/>
+          <a:p>
+            <a:r>
+              <a:rPr lang="en-US" dirty="0"/>
+              <a:t>Overall</a:t>
+            </a:r>
+          </a:p>
+        </p:txBody>
+      </p:sp>
+      <p:sp>
+        <p:nvSpPr>
+          <p:cNvPr id="43" name="Oval 42"/>
+          <p:cNvSpPr/>
+          <p:nvPr/>
+        </p:nvSpPr>
+        <p:spPr>
+          <a:xfrm>
+            <a:off x="4896209" y="3680235"/>
+            <a:ext cx="2551953" cy="1398733"/>
+          </a:xfrm>
+          <a:prstGeom prst="ellipse">
+            <a:avLst/>
+          </a:prstGeom>
+        </p:spPr>
+        <p:style>
+          <a:lnRef idx="2">
+            <a:schemeClr val="accent1">
+              <a:shade val="50000"/>
+            </a:schemeClr>
+          </a:lnRef>
+          <a:fillRef idx="1">
+            <a:schemeClr val="accent1"/>
+          </a:fillRef>
+          <a:effectRef idx="0">
+            <a:schemeClr val="accent1"/>
+          </a:effectRef>
+          <a:fontRef idx="minor">
+            <a:schemeClr val="lt1"/>
+          </a:fontRef>
+        </p:style>
+        <p:txBody>
+          <a:bodyPr rtlCol="0" anchor="ctr"/>
+          <a:lstStyle/>
+          <a:p>
+            <a:pPr algn="ctr"/>
+            <a:r>
+              <a:rPr lang="en-US" dirty="0"/>
+              <a:t>Go to DF and print registers there</a:t>
+            </a:r>
+          </a:p>
+        </p:txBody>
+      </p:sp>
+      <p:sp>
+        <p:nvSpPr>
+          <p:cNvPr id="2" name="Rectangle 1"/>
+          <p:cNvSpPr/>
+          <p:nvPr/>
+        </p:nvSpPr>
+        <p:spPr>
+          <a:xfrm>
+            <a:off x="2279795" y="901475"/>
+            <a:ext cx="1630968" cy="685800"/>
+          </a:xfrm>
+          <a:prstGeom prst="rect">
+            <a:avLst/>
+          </a:prstGeom>
+        </p:spPr>
+        <p:style>
+          <a:lnRef idx="2">
+            <a:schemeClr val="accent1">
+              <a:shade val="50000"/>
+            </a:schemeClr>
+          </a:lnRef>
+          <a:fillRef idx="1">
+            <a:schemeClr val="accent1"/>
+          </a:fillRef>
+          <a:effectRef idx="0">
+            <a:schemeClr val="accent1"/>
+          </a:effectRef>
+          <a:fontRef idx="minor">
+            <a:schemeClr val="lt1"/>
+          </a:fontRef>
+        </p:style>
+        <p:txBody>
+          <a:bodyPr rtlCol="0" anchor="ctr"/>
+          <a:lstStyle/>
+          <a:p>
+            <a:pPr algn="ctr"/>
+            <a:r>
+              <a:rPr lang="en-US" dirty="0"/>
+              <a:t>Monitor441-&gt;</a:t>
+            </a:r>
+          </a:p>
+        </p:txBody>
+      </p:sp>
+    </p:spTree>
+    <p:extLst>
+      <p:ext uri="{BB962C8B-B14F-4D97-AF65-F5344CB8AC3E}">
+        <p14:creationId xmlns:p14="http://schemas.microsoft.com/office/powerpoint/2010/main" val="123751126"/>
       </p:ext>
     </p:extLst>
   </p:cSld>

--- a/Flowcharts.pptx
+++ b/Flowcharts.pptx
@@ -269,7 +269,7 @@
           <a:p>
             <a:fld id="{4C0A10D3-24AA-45C7-8BD6-38C0625E3E88}" type="datetimeFigureOut">
               <a:rPr lang="en-US" smtClean="0"/>
-              <a:t>4/25/2017</a:t>
+              <a:t>4/26/2017</a:t>
             </a:fld>
             <a:endParaRPr lang="en-US"/>
           </a:p>
@@ -437,7 +437,7 @@
           <a:p>
             <a:fld id="{4C0A10D3-24AA-45C7-8BD6-38C0625E3E88}" type="datetimeFigureOut">
               <a:rPr lang="en-US" smtClean="0"/>
-              <a:t>4/25/2017</a:t>
+              <a:t>4/26/2017</a:t>
             </a:fld>
             <a:endParaRPr lang="en-US"/>
           </a:p>
@@ -615,7 +615,7 @@
           <a:p>
             <a:fld id="{4C0A10D3-24AA-45C7-8BD6-38C0625E3E88}" type="datetimeFigureOut">
               <a:rPr lang="en-US" smtClean="0"/>
-              <a:t>4/25/2017</a:t>
+              <a:t>4/26/2017</a:t>
             </a:fld>
             <a:endParaRPr lang="en-US"/>
           </a:p>
@@ -783,7 +783,7 @@
           <a:p>
             <a:fld id="{4C0A10D3-24AA-45C7-8BD6-38C0625E3E88}" type="datetimeFigureOut">
               <a:rPr lang="en-US" smtClean="0"/>
-              <a:t>4/25/2017</a:t>
+              <a:t>4/26/2017</a:t>
             </a:fld>
             <a:endParaRPr lang="en-US"/>
           </a:p>
@@ -1028,7 +1028,7 @@
           <a:p>
             <a:fld id="{4C0A10D3-24AA-45C7-8BD6-38C0625E3E88}" type="datetimeFigureOut">
               <a:rPr lang="en-US" smtClean="0"/>
-              <a:t>4/25/2017</a:t>
+              <a:t>4/26/2017</a:t>
             </a:fld>
             <a:endParaRPr lang="en-US"/>
           </a:p>
@@ -1257,7 +1257,7 @@
           <a:p>
             <a:fld id="{4C0A10D3-24AA-45C7-8BD6-38C0625E3E88}" type="datetimeFigureOut">
               <a:rPr lang="en-US" smtClean="0"/>
-              <a:t>4/25/2017</a:t>
+              <a:t>4/26/2017</a:t>
             </a:fld>
             <a:endParaRPr lang="en-US"/>
           </a:p>
@@ -1621,7 +1621,7 @@
           <a:p>
             <a:fld id="{4C0A10D3-24AA-45C7-8BD6-38C0625E3E88}" type="datetimeFigureOut">
               <a:rPr lang="en-US" smtClean="0"/>
-              <a:t>4/25/2017</a:t>
+              <a:t>4/26/2017</a:t>
             </a:fld>
             <a:endParaRPr lang="en-US"/>
           </a:p>
@@ -1738,7 +1738,7 @@
           <a:p>
             <a:fld id="{4C0A10D3-24AA-45C7-8BD6-38C0625E3E88}" type="datetimeFigureOut">
               <a:rPr lang="en-US" smtClean="0"/>
-              <a:t>4/25/2017</a:t>
+              <a:t>4/26/2017</a:t>
             </a:fld>
             <a:endParaRPr lang="en-US"/>
           </a:p>
@@ -1833,7 +1833,7 @@
           <a:p>
             <a:fld id="{4C0A10D3-24AA-45C7-8BD6-38C0625E3E88}" type="datetimeFigureOut">
               <a:rPr lang="en-US" smtClean="0"/>
-              <a:t>4/25/2017</a:t>
+              <a:t>4/26/2017</a:t>
             </a:fld>
             <a:endParaRPr lang="en-US"/>
           </a:p>
@@ -2108,7 +2108,7 @@
           <a:p>
             <a:fld id="{4C0A10D3-24AA-45C7-8BD6-38C0625E3E88}" type="datetimeFigureOut">
               <a:rPr lang="en-US" smtClean="0"/>
-              <a:t>4/25/2017</a:t>
+              <a:t>4/26/2017</a:t>
             </a:fld>
             <a:endParaRPr lang="en-US"/>
           </a:p>
@@ -2360,7 +2360,7 @@
           <a:p>
             <a:fld id="{4C0A10D3-24AA-45C7-8BD6-38C0625E3E88}" type="datetimeFigureOut">
               <a:rPr lang="en-US" smtClean="0"/>
-              <a:t>4/25/2017</a:t>
+              <a:t>4/26/2017</a:t>
             </a:fld>
             <a:endParaRPr lang="en-US"/>
           </a:p>
@@ -2571,7 +2571,7 @@
           <a:p>
             <a:fld id="{4C0A10D3-24AA-45C7-8BD6-38C0625E3E88}" type="datetimeFigureOut">
               <a:rPr lang="en-US" smtClean="0"/>
-              <a:t>4/25/2017</a:t>
+              <a:t>4/26/2017</a:t>
             </a:fld>
             <a:endParaRPr lang="en-US"/>
           </a:p>
@@ -7982,8 +7982,8 @@
         </p:nvSpPr>
         <p:spPr>
           <a:xfrm>
-            <a:off x="3014472" y="337312"/>
-            <a:ext cx="787400" cy="3588512"/>
+            <a:off x="2892273" y="337312"/>
+            <a:ext cx="909599" cy="2080768"/>
           </a:xfrm>
           <a:prstGeom prst="bentUpArrow">
             <a:avLst>
@@ -8241,7 +8241,7 @@
         </p:nvSpPr>
         <p:spPr>
           <a:xfrm>
-            <a:off x="3590988" y="224663"/>
+            <a:off x="3554705" y="224663"/>
             <a:ext cx="690880" cy="377952"/>
           </a:xfrm>
           <a:prstGeom prst="rightArrow">
@@ -8477,7 +8477,7 @@
             <a:pPr algn="ctr"/>
             <a:r>
               <a:rPr lang="en-US" dirty="0"/>
-              <a:t>Convert A to ASCII using subroutine</a:t>
+              <a:t>Convert A to HEX using subroutine</a:t>
             </a:r>
           </a:p>
         </p:txBody>
@@ -11656,7 +11656,7 @@
             <a:pPr algn="ctr"/>
             <a:r>
               <a:rPr lang="en-US" dirty="0"/>
-              <a:t>Print IR  label and the IR from prev. step</a:t>
+              <a:t>Print SSW  label and the SSW from prev. step</a:t>
             </a:r>
           </a:p>
         </p:txBody>
@@ -12466,7 +12466,7 @@
             <a:pPr algn="ctr"/>
             <a:r>
               <a:rPr lang="en-US" dirty="0"/>
-              <a:t>Print IR  label and the IR from prev. step</a:t>
+              <a:t>Print SSW  label and the SSW from prev. step</a:t>
             </a:r>
           </a:p>
         </p:txBody>
